--- a/Pre.pptx
+++ b/Pre.pptx
@@ -114,6 +114,11 @@
       </a:defRPr>
     </a:lvl9pPr>
   </p:defaultTextStyle>
+  <p:extLst>
+    <p:ext uri="{EFAFB233-063F-42B5-8137-9DF3F51BA10A}">
+      <p15:sldGuideLst xmlns:p15="http://schemas.microsoft.com/office/powerpoint/2012/main"/>
+    </p:ext>
+  </p:extLst>
 </p:presentation>
 </file>
 
@@ -264,7 +269,7 @@
           <a:p>
             <a:fld id="{1BF878CD-380E-4BCC-8198-90E9CE984CC3}" type="datetimeFigureOut">
               <a:rPr lang="zh-CN" altLang="en-US" smtClean="0"/>
-              <a:t>2021/12/30</a:t>
+              <a:t>2021/12/31</a:t>
             </a:fld>
             <a:endParaRPr lang="zh-CN" altLang="en-US"/>
           </a:p>
@@ -462,7 +467,7 @@
           <a:p>
             <a:fld id="{1BF878CD-380E-4BCC-8198-90E9CE984CC3}" type="datetimeFigureOut">
               <a:rPr lang="zh-CN" altLang="en-US" smtClean="0"/>
-              <a:t>2021/12/30</a:t>
+              <a:t>2021/12/31</a:t>
             </a:fld>
             <a:endParaRPr lang="zh-CN" altLang="en-US"/>
           </a:p>
@@ -670,7 +675,7 @@
           <a:p>
             <a:fld id="{1BF878CD-380E-4BCC-8198-90E9CE984CC3}" type="datetimeFigureOut">
               <a:rPr lang="zh-CN" altLang="en-US" smtClean="0"/>
-              <a:t>2021/12/30</a:t>
+              <a:t>2021/12/31</a:t>
             </a:fld>
             <a:endParaRPr lang="zh-CN" altLang="en-US"/>
           </a:p>
@@ -868,7 +873,7 @@
           <a:p>
             <a:fld id="{1BF878CD-380E-4BCC-8198-90E9CE984CC3}" type="datetimeFigureOut">
               <a:rPr lang="zh-CN" altLang="en-US" smtClean="0"/>
-              <a:t>2021/12/30</a:t>
+              <a:t>2021/12/31</a:t>
             </a:fld>
             <a:endParaRPr lang="zh-CN" altLang="en-US"/>
           </a:p>
@@ -1143,7 +1148,7 @@
           <a:p>
             <a:fld id="{1BF878CD-380E-4BCC-8198-90E9CE984CC3}" type="datetimeFigureOut">
               <a:rPr lang="zh-CN" altLang="en-US" smtClean="0"/>
-              <a:t>2021/12/30</a:t>
+              <a:t>2021/12/31</a:t>
             </a:fld>
             <a:endParaRPr lang="zh-CN" altLang="en-US"/>
           </a:p>
@@ -1408,7 +1413,7 @@
           <a:p>
             <a:fld id="{1BF878CD-380E-4BCC-8198-90E9CE984CC3}" type="datetimeFigureOut">
               <a:rPr lang="zh-CN" altLang="en-US" smtClean="0"/>
-              <a:t>2021/12/30</a:t>
+              <a:t>2021/12/31</a:t>
             </a:fld>
             <a:endParaRPr lang="zh-CN" altLang="en-US"/>
           </a:p>
@@ -1820,7 +1825,7 @@
           <a:p>
             <a:fld id="{1BF878CD-380E-4BCC-8198-90E9CE984CC3}" type="datetimeFigureOut">
               <a:rPr lang="zh-CN" altLang="en-US" smtClean="0"/>
-              <a:t>2021/12/30</a:t>
+              <a:t>2021/12/31</a:t>
             </a:fld>
             <a:endParaRPr lang="zh-CN" altLang="en-US"/>
           </a:p>
@@ -1961,7 +1966,7 @@
           <a:p>
             <a:fld id="{1BF878CD-380E-4BCC-8198-90E9CE984CC3}" type="datetimeFigureOut">
               <a:rPr lang="zh-CN" altLang="en-US" smtClean="0"/>
-              <a:t>2021/12/30</a:t>
+              <a:t>2021/12/31</a:t>
             </a:fld>
             <a:endParaRPr lang="zh-CN" altLang="en-US"/>
           </a:p>
@@ -2074,7 +2079,7 @@
           <a:p>
             <a:fld id="{1BF878CD-380E-4BCC-8198-90E9CE984CC3}" type="datetimeFigureOut">
               <a:rPr lang="zh-CN" altLang="en-US" smtClean="0"/>
-              <a:t>2021/12/30</a:t>
+              <a:t>2021/12/31</a:t>
             </a:fld>
             <a:endParaRPr lang="zh-CN" altLang="en-US"/>
           </a:p>
@@ -2385,7 +2390,7 @@
           <a:p>
             <a:fld id="{1BF878CD-380E-4BCC-8198-90E9CE984CC3}" type="datetimeFigureOut">
               <a:rPr lang="zh-CN" altLang="en-US" smtClean="0"/>
-              <a:t>2021/12/30</a:t>
+              <a:t>2021/12/31</a:t>
             </a:fld>
             <a:endParaRPr lang="zh-CN" altLang="en-US"/>
           </a:p>
@@ -2673,7 +2678,7 @@
           <a:p>
             <a:fld id="{1BF878CD-380E-4BCC-8198-90E9CE984CC3}" type="datetimeFigureOut">
               <a:rPr lang="zh-CN" altLang="en-US" smtClean="0"/>
-              <a:t>2021/12/30</a:t>
+              <a:t>2021/12/31</a:t>
             </a:fld>
             <a:endParaRPr lang="zh-CN" altLang="en-US"/>
           </a:p>
@@ -2914,7 +2919,7 @@
           <a:p>
             <a:fld id="{1BF878CD-380E-4BCC-8198-90E9CE984CC3}" type="datetimeFigureOut">
               <a:rPr lang="zh-CN" altLang="en-US" smtClean="0"/>
-              <a:t>2021/12/30</a:t>
+              <a:t>2021/12/31</a:t>
             </a:fld>
             <a:endParaRPr lang="zh-CN" altLang="en-US"/>
           </a:p>
@@ -7700,10 +7705,10 @@
       </p:sp>
       <p:sp>
         <p:nvSpPr>
-          <p:cNvPr id="6" name="Rectangle 3">
+          <p:cNvPr id="4" name="Rectangle 1">
             <a:extLst>
               <a:ext uri="{FF2B5EF4-FFF2-40B4-BE49-F238E27FC236}">
-                <a16:creationId xmlns:a16="http://schemas.microsoft.com/office/drawing/2014/main" id="{8DFEF75B-F261-4BB5-8FC3-E413F8B37358}"/>
+                <a16:creationId xmlns:a16="http://schemas.microsoft.com/office/drawing/2014/main" id="{7C999801-CEE0-4BFE-9477-F39A4E9F0DEA}"/>
               </a:ext>
             </a:extLst>
           </p:cNvPr>
@@ -7714,8 +7719,8 @@
         </p:nvSpPr>
         <p:spPr bwMode="auto">
           <a:xfrm>
-            <a:off x="7954392" y="1690688"/>
-            <a:ext cx="4237608" cy="4247317"/>
+            <a:off x="7244179" y="1027906"/>
+            <a:ext cx="4705165" cy="2723823"/>
           </a:xfrm>
           <a:prstGeom prst="rect">
             <a:avLst/>
@@ -8007,7 +8012,7 @@
                 <a:latin typeface="Arial Unicode MS"/>
                 <a:ea typeface="JetBrains Mono"/>
               </a:rPr>
-              <a:t>= $1),</a:t>
+              <a:t>= $1)</a:t>
             </a:r>
             <a:br>
               <a:rPr kumimoji="0" lang="zh-CN" altLang="zh-CN" sz="900" b="0" i="0" u="none" strike="noStrike" cap="none" normalizeH="0" baseline="0" dirty="0">
@@ -8034,7 +8039,230 @@
                 <a:latin typeface="Arial Unicode MS"/>
                 <a:ea typeface="JetBrains Mono"/>
               </a:rPr>
-              <a:t>         temp_week </a:t>
+              <a:t>    </a:t>
+            </a:r>
+            <a:r>
+              <a:rPr kumimoji="0" lang="zh-CN" altLang="zh-CN" sz="900" b="1" i="0" u="none" strike="noStrike" cap="none" normalizeH="0" baseline="0" dirty="0">
+                <a:ln>
+                  <a:noFill/>
+                </a:ln>
+                <a:solidFill>
+                  <a:srgbClr val="000080"/>
+                </a:solidFill>
+                <a:effectLst/>
+                <a:latin typeface="Arial Unicode MS"/>
+                <a:ea typeface="JetBrains Mono"/>
+              </a:rPr>
+              <a:t>select c</a:t>
+            </a:r>
+            <a:r>
+              <a:rPr kumimoji="0" lang="zh-CN" altLang="zh-CN" sz="900" b="0" i="0" u="none" strike="noStrike" cap="none" normalizeH="0" baseline="0" dirty="0">
+                <a:ln>
+                  <a:noFill/>
+                </a:ln>
+                <a:solidFill>
+                  <a:srgbClr val="000000"/>
+                </a:solidFill>
+                <a:effectLst/>
+                <a:latin typeface="Arial Unicode MS"/>
+                <a:ea typeface="JetBrains Mono"/>
+              </a:rPr>
+              <a:t>.</a:t>
+            </a:r>
+            <a:r>
+              <a:rPr kumimoji="0" lang="zh-CN" altLang="zh-CN" sz="900" b="1" i="0" u="none" strike="noStrike" cap="none" normalizeH="0" baseline="0" dirty="0">
+                <a:ln>
+                  <a:noFill/>
+                </a:ln>
+                <a:solidFill>
+                  <a:srgbClr val="660E7A"/>
+                </a:solidFill>
+                <a:effectLst/>
+                <a:latin typeface="Arial Unicode MS"/>
+                <a:ea typeface="JetBrains Mono"/>
+              </a:rPr>
+              <a:t>day_of_week                                  </a:t>
+            </a:r>
+            <a:r>
+              <a:rPr kumimoji="0" lang="zh-CN" altLang="zh-CN" sz="900" b="1" i="0" u="none" strike="noStrike" cap="none" normalizeH="0" baseline="0" dirty="0">
+                <a:ln>
+                  <a:noFill/>
+                </a:ln>
+                <a:solidFill>
+                  <a:srgbClr val="000080"/>
+                </a:solidFill>
+                <a:effectLst/>
+                <a:latin typeface="Arial Unicode MS"/>
+                <a:ea typeface="JetBrains Mono"/>
+              </a:rPr>
+              <a:t>as day</a:t>
+            </a:r>
+            <a:r>
+              <a:rPr kumimoji="0" lang="zh-CN" altLang="zh-CN" sz="900" b="0" i="0" u="none" strike="noStrike" cap="none" normalizeH="0" baseline="0" dirty="0">
+                <a:ln>
+                  <a:noFill/>
+                </a:ln>
+                <a:solidFill>
+                  <a:srgbClr val="000000"/>
+                </a:solidFill>
+                <a:effectLst/>
+                <a:latin typeface="Arial Unicode MS"/>
+                <a:ea typeface="JetBrains Mono"/>
+              </a:rPr>
+              <a:t>,</a:t>
+            </a:r>
+            <a:br>
+              <a:rPr kumimoji="0" lang="zh-CN" altLang="zh-CN" sz="900" b="0" i="0" u="none" strike="noStrike" cap="none" normalizeH="0" baseline="0" dirty="0">
+                <a:ln>
+                  <a:noFill/>
+                </a:ln>
+                <a:solidFill>
+                  <a:srgbClr val="000000"/>
+                </a:solidFill>
+                <a:effectLst/>
+                <a:latin typeface="Arial Unicode MS"/>
+                <a:ea typeface="JetBrains Mono"/>
+              </a:rPr>
+            </a:br>
+            <a:r>
+              <a:rPr kumimoji="0" lang="zh-CN" altLang="zh-CN" sz="900" b="0" i="0" u="none" strike="noStrike" cap="none" normalizeH="0" baseline="0" dirty="0">
+                <a:ln>
+                  <a:noFill/>
+                </a:ln>
+                <a:solidFill>
+                  <a:srgbClr val="000000"/>
+                </a:solidFill>
+                <a:effectLst/>
+                <a:latin typeface="Arial Unicode MS"/>
+                <a:ea typeface="JetBrains Mono"/>
+              </a:rPr>
+              <a:t>           c2.</a:t>
+            </a:r>
+            <a:r>
+              <a:rPr kumimoji="0" lang="zh-CN" altLang="zh-CN" sz="900" b="1" i="0" u="none" strike="noStrike" cap="none" normalizeH="0" baseline="0" dirty="0">
+                <a:ln>
+                  <a:noFill/>
+                </a:ln>
+                <a:solidFill>
+                  <a:srgbClr val="660E7A"/>
+                </a:solidFill>
+                <a:effectLst/>
+                <a:latin typeface="Arial Unicode MS"/>
+                <a:ea typeface="JetBrains Mono"/>
+              </a:rPr>
+              <a:t>course_name </a:t>
+            </a:r>
+            <a:r>
+              <a:rPr kumimoji="0" lang="zh-CN" altLang="zh-CN" sz="900" b="0" i="0" u="none" strike="noStrike" cap="none" normalizeH="0" baseline="0" dirty="0">
+                <a:ln>
+                  <a:noFill/>
+                </a:ln>
+                <a:solidFill>
+                  <a:srgbClr val="000000"/>
+                </a:solidFill>
+                <a:effectLst/>
+                <a:latin typeface="Arial Unicode MS"/>
+                <a:ea typeface="JetBrains Mono"/>
+              </a:rPr>
+              <a:t>|| </a:t>
+            </a:r>
+            <a:r>
+              <a:rPr kumimoji="0" lang="zh-CN" altLang="zh-CN" sz="900" b="1" i="0" u="none" strike="noStrike" cap="none" normalizeH="0" baseline="0" dirty="0">
+                <a:ln>
+                  <a:noFill/>
+                </a:ln>
+                <a:solidFill>
+                  <a:srgbClr val="008000"/>
+                </a:solidFill>
+                <a:effectLst/>
+                <a:latin typeface="Arial Unicode MS"/>
+                <a:ea typeface="JetBrains Mono"/>
+              </a:rPr>
+              <a:t>'[' </a:t>
+            </a:r>
+            <a:r>
+              <a:rPr kumimoji="0" lang="zh-CN" altLang="zh-CN" sz="900" b="0" i="0" u="none" strike="noStrike" cap="none" normalizeH="0" baseline="0" dirty="0">
+                <a:ln>
+                  <a:noFill/>
+                </a:ln>
+                <a:solidFill>
+                  <a:srgbClr val="000000"/>
+                </a:solidFill>
+                <a:effectLst/>
+                <a:latin typeface="Arial Unicode MS"/>
+                <a:ea typeface="JetBrains Mono"/>
+              </a:rPr>
+              <a:t>|| </a:t>
+            </a:r>
+            <a:r>
+              <a:rPr kumimoji="0" lang="zh-CN" altLang="zh-CN" sz="900" b="1" i="0" u="none" strike="noStrike" cap="none" normalizeH="0" baseline="0" dirty="0">
+                <a:ln>
+                  <a:noFill/>
+                </a:ln>
+                <a:solidFill>
+                  <a:srgbClr val="000080"/>
+                </a:solidFill>
+                <a:effectLst/>
+                <a:latin typeface="Arial Unicode MS"/>
+                <a:ea typeface="JetBrains Mono"/>
+              </a:rPr>
+              <a:t>s</a:t>
+            </a:r>
+            <a:r>
+              <a:rPr kumimoji="0" lang="zh-CN" altLang="zh-CN" sz="900" b="0" i="0" u="none" strike="noStrike" cap="none" normalizeH="0" baseline="0" dirty="0">
+                <a:ln>
+                  <a:noFill/>
+                </a:ln>
+                <a:solidFill>
+                  <a:srgbClr val="000000"/>
+                </a:solidFill>
+                <a:effectLst/>
+                <a:latin typeface="Arial Unicode MS"/>
+                <a:ea typeface="JetBrains Mono"/>
+              </a:rPr>
+              <a:t>.</a:t>
+            </a:r>
+            <a:r>
+              <a:rPr kumimoji="0" lang="zh-CN" altLang="zh-CN" sz="900" b="1" i="0" u="none" strike="noStrike" cap="none" normalizeH="0" baseline="0" dirty="0">
+                <a:ln>
+                  <a:noFill/>
+                </a:ln>
+                <a:solidFill>
+                  <a:srgbClr val="660E7A"/>
+                </a:solidFill>
+                <a:effectLst/>
+                <a:latin typeface="Arial Unicode MS"/>
+                <a:ea typeface="JetBrains Mono"/>
+              </a:rPr>
+              <a:t>section_name </a:t>
+            </a:r>
+            <a:r>
+              <a:rPr kumimoji="0" lang="zh-CN" altLang="zh-CN" sz="900" b="0" i="0" u="none" strike="noStrike" cap="none" normalizeH="0" baseline="0" dirty="0">
+                <a:ln>
+                  <a:noFill/>
+                </a:ln>
+                <a:solidFill>
+                  <a:srgbClr val="000000"/>
+                </a:solidFill>
+                <a:effectLst/>
+                <a:latin typeface="Arial Unicode MS"/>
+                <a:ea typeface="JetBrains Mono"/>
+              </a:rPr>
+              <a:t>|| </a:t>
+            </a:r>
+            <a:r>
+              <a:rPr kumimoji="0" lang="zh-CN" altLang="zh-CN" sz="900" b="1" i="0" u="none" strike="noStrike" cap="none" normalizeH="0" baseline="0" dirty="0">
+                <a:ln>
+                  <a:noFill/>
+                </a:ln>
+                <a:solidFill>
+                  <a:srgbClr val="008000"/>
+                </a:solidFill>
+                <a:effectLst/>
+                <a:latin typeface="Arial Unicode MS"/>
+                <a:ea typeface="JetBrains Mono"/>
+              </a:rPr>
+              <a:t>']' </a:t>
             </a:r>
             <a:r>
               <a:rPr kumimoji="0" lang="zh-CN" altLang="zh-CN" sz="900" b="1" i="0" u="none" strike="noStrike" cap="none" normalizeH="0" baseline="0" dirty="0">
@@ -8062,21 +8290,1324 @@
                 <a:latin typeface="Arial Unicode MS"/>
                 <a:ea typeface="JetBrains Mono"/>
               </a:rPr>
-              <a:t>(</a:t>
-            </a:r>
-            <a:r>
-              <a:rPr kumimoji="0" lang="zh-CN" altLang="zh-CN" sz="900" b="1" i="0" u="none" strike="noStrike" cap="none" normalizeH="0" baseline="0" dirty="0">
-                <a:ln>
-                  <a:noFill/>
-                </a:ln>
-                <a:solidFill>
-                  <a:srgbClr val="000080"/>
-                </a:solidFill>
-                <a:effectLst/>
-                <a:latin typeface="Arial Unicode MS"/>
-                <a:ea typeface="JetBrains Mono"/>
-              </a:rPr>
-              <a:t>select </a:t>
+              <a:t>class_name,</a:t>
+            </a:r>
+            <a:br>
+              <a:rPr kumimoji="0" lang="zh-CN" altLang="zh-CN" sz="900" b="0" i="0" u="none" strike="noStrike" cap="none" normalizeH="0" baseline="0" dirty="0">
+                <a:ln>
+                  <a:noFill/>
+                </a:ln>
+                <a:solidFill>
+                  <a:srgbClr val="000000"/>
+                </a:solidFill>
+                <a:effectLst/>
+                <a:latin typeface="Arial Unicode MS"/>
+                <a:ea typeface="JetBrains Mono"/>
+              </a:rPr>
+            </a:br>
+            <a:r>
+              <a:rPr kumimoji="0" lang="zh-CN" altLang="zh-CN" sz="900" b="0" i="0" u="none" strike="noStrike" cap="none" normalizeH="0" baseline="0" dirty="0">
+                <a:ln>
+                  <a:noFill/>
+                </a:ln>
+                <a:solidFill>
+                  <a:srgbClr val="000000"/>
+                </a:solidFill>
+                <a:effectLst/>
+                <a:latin typeface="Arial Unicode MS"/>
+                <a:ea typeface="JetBrains Mono"/>
+              </a:rPr>
+              <a:t>           </a:t>
+            </a:r>
+            <a:r>
+              <a:rPr kumimoji="0" lang="zh-CN" altLang="zh-CN" sz="900" b="1" i="0" u="none" strike="noStrike" cap="none" normalizeH="0" baseline="0" dirty="0">
+                <a:ln>
+                  <a:noFill/>
+                </a:ln>
+                <a:solidFill>
+                  <a:srgbClr val="000080"/>
+                </a:solidFill>
+                <a:effectLst/>
+                <a:latin typeface="Arial Unicode MS"/>
+                <a:ea typeface="JetBrains Mono"/>
+              </a:rPr>
+              <a:t>c</a:t>
+            </a:r>
+            <a:r>
+              <a:rPr kumimoji="0" lang="zh-CN" altLang="zh-CN" sz="900" b="0" i="0" u="none" strike="noStrike" cap="none" normalizeH="0" baseline="0" dirty="0">
+                <a:ln>
+                  <a:noFill/>
+                </a:ln>
+                <a:solidFill>
+                  <a:srgbClr val="000000"/>
+                </a:solidFill>
+                <a:effectLst/>
+                <a:latin typeface="Arial Unicode MS"/>
+                <a:ea typeface="JetBrains Mono"/>
+              </a:rPr>
+              <a:t>.</a:t>
+            </a:r>
+            <a:r>
+              <a:rPr kumimoji="0" lang="zh-CN" altLang="zh-CN" sz="900" b="1" i="0" u="none" strike="noStrike" cap="none" normalizeH="0" baseline="0" dirty="0">
+                <a:ln>
+                  <a:noFill/>
+                </a:ln>
+                <a:solidFill>
+                  <a:srgbClr val="660E7A"/>
+                </a:solidFill>
+                <a:effectLst/>
+                <a:latin typeface="Arial Unicode MS"/>
+                <a:ea typeface="JetBrains Mono"/>
+              </a:rPr>
+              <a:t>instructor_id                                </a:t>
+            </a:r>
+            <a:r>
+              <a:rPr kumimoji="0" lang="zh-CN" altLang="zh-CN" sz="900" b="1" i="0" u="none" strike="noStrike" cap="none" normalizeH="0" baseline="0" dirty="0">
+                <a:ln>
+                  <a:noFill/>
+                </a:ln>
+                <a:solidFill>
+                  <a:srgbClr val="000080"/>
+                </a:solidFill>
+                <a:effectLst/>
+                <a:latin typeface="Arial Unicode MS"/>
+                <a:ea typeface="JetBrains Mono"/>
+              </a:rPr>
+              <a:t>as </a:t>
+            </a:r>
+            <a:r>
+              <a:rPr kumimoji="0" lang="zh-CN" altLang="zh-CN" sz="900" b="0" i="0" u="none" strike="noStrike" cap="none" normalizeH="0" baseline="0" dirty="0">
+                <a:ln>
+                  <a:noFill/>
+                </a:ln>
+                <a:solidFill>
+                  <a:srgbClr val="000000"/>
+                </a:solidFill>
+                <a:effectLst/>
+                <a:latin typeface="Arial Unicode MS"/>
+                <a:ea typeface="JetBrains Mono"/>
+              </a:rPr>
+              <a:t>instructor_id,</a:t>
+            </a:r>
+            <a:br>
+              <a:rPr kumimoji="0" lang="zh-CN" altLang="zh-CN" sz="900" b="0" i="0" u="none" strike="noStrike" cap="none" normalizeH="0" baseline="0" dirty="0">
+                <a:ln>
+                  <a:noFill/>
+                </a:ln>
+                <a:solidFill>
+                  <a:srgbClr val="000000"/>
+                </a:solidFill>
+                <a:effectLst/>
+                <a:latin typeface="Arial Unicode MS"/>
+                <a:ea typeface="JetBrains Mono"/>
+              </a:rPr>
+            </a:br>
+            <a:r>
+              <a:rPr kumimoji="0" lang="zh-CN" altLang="zh-CN" sz="900" b="0" i="0" u="none" strike="noStrike" cap="none" normalizeH="0" baseline="0" dirty="0">
+                <a:ln>
+                  <a:noFill/>
+                </a:ln>
+                <a:solidFill>
+                  <a:srgbClr val="000000"/>
+                </a:solidFill>
+                <a:effectLst/>
+                <a:latin typeface="Arial Unicode MS"/>
+                <a:ea typeface="JetBrains Mono"/>
+              </a:rPr>
+              <a:t>           u.</a:t>
+            </a:r>
+            <a:r>
+              <a:rPr kumimoji="0" lang="zh-CN" altLang="zh-CN" sz="900" b="1" i="0" u="none" strike="noStrike" cap="none" normalizeH="0" baseline="0" dirty="0">
+                <a:ln>
+                  <a:noFill/>
+                </a:ln>
+                <a:solidFill>
+                  <a:srgbClr val="660E7A"/>
+                </a:solidFill>
+                <a:effectLst/>
+                <a:latin typeface="Arial Unicode MS"/>
+                <a:ea typeface="JetBrains Mono"/>
+              </a:rPr>
+              <a:t>full_name                                    </a:t>
+            </a:r>
+            <a:r>
+              <a:rPr kumimoji="0" lang="zh-CN" altLang="zh-CN" sz="900" b="1" i="0" u="none" strike="noStrike" cap="none" normalizeH="0" baseline="0" dirty="0">
+                <a:ln>
+                  <a:noFill/>
+                </a:ln>
+                <a:solidFill>
+                  <a:srgbClr val="000080"/>
+                </a:solidFill>
+                <a:effectLst/>
+                <a:latin typeface="Arial Unicode MS"/>
+                <a:ea typeface="JetBrains Mono"/>
+              </a:rPr>
+              <a:t>as </a:t>
+            </a:r>
+            <a:r>
+              <a:rPr kumimoji="0" lang="zh-CN" altLang="zh-CN" sz="900" b="0" i="0" u="none" strike="noStrike" cap="none" normalizeH="0" baseline="0" dirty="0">
+                <a:ln>
+                  <a:noFill/>
+                </a:ln>
+                <a:solidFill>
+                  <a:srgbClr val="000000"/>
+                </a:solidFill>
+                <a:effectLst/>
+                <a:latin typeface="Arial Unicode MS"/>
+                <a:ea typeface="JetBrains Mono"/>
+              </a:rPr>
+              <a:t>instructor_full_name,</a:t>
+            </a:r>
+            <a:br>
+              <a:rPr kumimoji="0" lang="zh-CN" altLang="zh-CN" sz="900" b="0" i="0" u="none" strike="noStrike" cap="none" normalizeH="0" baseline="0" dirty="0">
+                <a:ln>
+                  <a:noFill/>
+                </a:ln>
+                <a:solidFill>
+                  <a:srgbClr val="000000"/>
+                </a:solidFill>
+                <a:effectLst/>
+                <a:latin typeface="Arial Unicode MS"/>
+                <a:ea typeface="JetBrains Mono"/>
+              </a:rPr>
+            </a:br>
+            <a:r>
+              <a:rPr kumimoji="0" lang="zh-CN" altLang="zh-CN" sz="900" b="0" i="0" u="none" strike="noStrike" cap="none" normalizeH="0" baseline="0" dirty="0">
+                <a:ln>
+                  <a:noFill/>
+                </a:ln>
+                <a:solidFill>
+                  <a:srgbClr val="000000"/>
+                </a:solidFill>
+                <a:effectLst/>
+                <a:latin typeface="Arial Unicode MS"/>
+                <a:ea typeface="JetBrains Mono"/>
+              </a:rPr>
+              <a:t>           </a:t>
+            </a:r>
+            <a:r>
+              <a:rPr kumimoji="0" lang="zh-CN" altLang="zh-CN" sz="900" b="1" i="0" u="none" strike="noStrike" cap="none" normalizeH="0" baseline="0" dirty="0">
+                <a:ln>
+                  <a:noFill/>
+                </a:ln>
+                <a:solidFill>
+                  <a:srgbClr val="000080"/>
+                </a:solidFill>
+                <a:effectLst/>
+                <a:latin typeface="Arial Unicode MS"/>
+                <a:ea typeface="JetBrains Mono"/>
+              </a:rPr>
+              <a:t>c</a:t>
+            </a:r>
+            <a:r>
+              <a:rPr kumimoji="0" lang="zh-CN" altLang="zh-CN" sz="900" b="0" i="0" u="none" strike="noStrike" cap="none" normalizeH="0" baseline="0" dirty="0">
+                <a:ln>
+                  <a:noFill/>
+                </a:ln>
+                <a:solidFill>
+                  <a:srgbClr val="000000"/>
+                </a:solidFill>
+                <a:effectLst/>
+                <a:latin typeface="Arial Unicode MS"/>
+                <a:ea typeface="JetBrains Mono"/>
+              </a:rPr>
+              <a:t>.</a:t>
+            </a:r>
+            <a:r>
+              <a:rPr kumimoji="0" lang="zh-CN" altLang="zh-CN" sz="900" b="1" i="0" u="none" strike="noStrike" cap="none" normalizeH="0" baseline="0" dirty="0">
+                <a:ln>
+                  <a:noFill/>
+                </a:ln>
+                <a:solidFill>
+                  <a:srgbClr val="660E7A"/>
+                </a:solidFill>
+                <a:effectLst/>
+                <a:latin typeface="Arial Unicode MS"/>
+                <a:ea typeface="JetBrains Mono"/>
+              </a:rPr>
+              <a:t>class_start                                  </a:t>
+            </a:r>
+            <a:r>
+              <a:rPr kumimoji="0" lang="zh-CN" altLang="zh-CN" sz="900" b="1" i="0" u="none" strike="noStrike" cap="none" normalizeH="0" baseline="0" dirty="0">
+                <a:ln>
+                  <a:noFill/>
+                </a:ln>
+                <a:solidFill>
+                  <a:srgbClr val="000080"/>
+                </a:solidFill>
+                <a:effectLst/>
+                <a:latin typeface="Arial Unicode MS"/>
+                <a:ea typeface="JetBrains Mono"/>
+              </a:rPr>
+              <a:t>as </a:t>
+            </a:r>
+            <a:r>
+              <a:rPr kumimoji="0" lang="zh-CN" altLang="zh-CN" sz="900" b="0" i="0" u="none" strike="noStrike" cap="none" normalizeH="0" baseline="0" dirty="0">
+                <a:ln>
+                  <a:noFill/>
+                </a:ln>
+                <a:solidFill>
+                  <a:srgbClr val="000000"/>
+                </a:solidFill>
+                <a:effectLst/>
+                <a:latin typeface="Arial Unicode MS"/>
+                <a:ea typeface="JetBrains Mono"/>
+              </a:rPr>
+              <a:t>class_begin,</a:t>
+            </a:r>
+            <a:br>
+              <a:rPr kumimoji="0" lang="zh-CN" altLang="zh-CN" sz="900" b="0" i="0" u="none" strike="noStrike" cap="none" normalizeH="0" baseline="0" dirty="0">
+                <a:ln>
+                  <a:noFill/>
+                </a:ln>
+                <a:solidFill>
+                  <a:srgbClr val="000000"/>
+                </a:solidFill>
+                <a:effectLst/>
+                <a:latin typeface="Arial Unicode MS"/>
+                <a:ea typeface="JetBrains Mono"/>
+              </a:rPr>
+            </a:br>
+            <a:r>
+              <a:rPr kumimoji="0" lang="zh-CN" altLang="zh-CN" sz="900" b="0" i="0" u="none" strike="noStrike" cap="none" normalizeH="0" baseline="0" dirty="0">
+                <a:ln>
+                  <a:noFill/>
+                </a:ln>
+                <a:solidFill>
+                  <a:srgbClr val="000000"/>
+                </a:solidFill>
+                <a:effectLst/>
+                <a:latin typeface="Arial Unicode MS"/>
+                <a:ea typeface="JetBrains Mono"/>
+              </a:rPr>
+              <a:t>           </a:t>
+            </a:r>
+            <a:r>
+              <a:rPr kumimoji="0" lang="zh-CN" altLang="zh-CN" sz="900" b="1" i="0" u="none" strike="noStrike" cap="none" normalizeH="0" baseline="0" dirty="0">
+                <a:ln>
+                  <a:noFill/>
+                </a:ln>
+                <a:solidFill>
+                  <a:srgbClr val="000080"/>
+                </a:solidFill>
+                <a:effectLst/>
+                <a:latin typeface="Arial Unicode MS"/>
+                <a:ea typeface="JetBrains Mono"/>
+              </a:rPr>
+              <a:t>c</a:t>
+            </a:r>
+            <a:r>
+              <a:rPr kumimoji="0" lang="zh-CN" altLang="zh-CN" sz="900" b="0" i="0" u="none" strike="noStrike" cap="none" normalizeH="0" baseline="0" dirty="0">
+                <a:ln>
+                  <a:noFill/>
+                </a:ln>
+                <a:solidFill>
+                  <a:srgbClr val="000000"/>
+                </a:solidFill>
+                <a:effectLst/>
+                <a:latin typeface="Arial Unicode MS"/>
+                <a:ea typeface="JetBrains Mono"/>
+              </a:rPr>
+              <a:t>.</a:t>
+            </a:r>
+            <a:r>
+              <a:rPr kumimoji="0" lang="zh-CN" altLang="zh-CN" sz="900" b="1" i="0" u="none" strike="noStrike" cap="none" normalizeH="0" baseline="0" dirty="0">
+                <a:ln>
+                  <a:noFill/>
+                </a:ln>
+                <a:solidFill>
+                  <a:srgbClr val="660E7A"/>
+                </a:solidFill>
+                <a:effectLst/>
+                <a:latin typeface="Arial Unicode MS"/>
+                <a:ea typeface="JetBrains Mono"/>
+              </a:rPr>
+              <a:t>class_end                                    </a:t>
+            </a:r>
+            <a:r>
+              <a:rPr kumimoji="0" lang="zh-CN" altLang="zh-CN" sz="900" b="1" i="0" u="none" strike="noStrike" cap="none" normalizeH="0" baseline="0" dirty="0">
+                <a:ln>
+                  <a:noFill/>
+                </a:ln>
+                <a:solidFill>
+                  <a:srgbClr val="000080"/>
+                </a:solidFill>
+                <a:effectLst/>
+                <a:latin typeface="Arial Unicode MS"/>
+                <a:ea typeface="JetBrains Mono"/>
+              </a:rPr>
+              <a:t>as </a:t>
+            </a:r>
+            <a:r>
+              <a:rPr kumimoji="0" lang="zh-CN" altLang="zh-CN" sz="900" b="0" i="0" u="none" strike="noStrike" cap="none" normalizeH="0" baseline="0" dirty="0">
+                <a:ln>
+                  <a:noFill/>
+                </a:ln>
+                <a:solidFill>
+                  <a:srgbClr val="000000"/>
+                </a:solidFill>
+                <a:effectLst/>
+                <a:latin typeface="Arial Unicode MS"/>
+                <a:ea typeface="JetBrains Mono"/>
+              </a:rPr>
+              <a:t>class_end,</a:t>
+            </a:r>
+            <a:br>
+              <a:rPr kumimoji="0" lang="zh-CN" altLang="zh-CN" sz="900" b="0" i="0" u="none" strike="noStrike" cap="none" normalizeH="0" baseline="0" dirty="0">
+                <a:ln>
+                  <a:noFill/>
+                </a:ln>
+                <a:solidFill>
+                  <a:srgbClr val="000000"/>
+                </a:solidFill>
+                <a:effectLst/>
+                <a:latin typeface="Arial Unicode MS"/>
+                <a:ea typeface="JetBrains Mono"/>
+              </a:rPr>
+            </a:br>
+            <a:r>
+              <a:rPr kumimoji="0" lang="zh-CN" altLang="zh-CN" sz="900" b="0" i="0" u="none" strike="noStrike" cap="none" normalizeH="0" baseline="0" dirty="0">
+                <a:ln>
+                  <a:noFill/>
+                </a:ln>
+                <a:solidFill>
+                  <a:srgbClr val="000000"/>
+                </a:solidFill>
+                <a:effectLst/>
+                <a:latin typeface="Arial Unicode MS"/>
+                <a:ea typeface="JetBrains Mono"/>
+              </a:rPr>
+              <a:t>           </a:t>
+            </a:r>
+            <a:r>
+              <a:rPr kumimoji="0" lang="zh-CN" altLang="zh-CN" sz="900" b="1" i="0" u="none" strike="noStrike" cap="none" normalizeH="0" baseline="0" dirty="0">
+                <a:ln>
+                  <a:noFill/>
+                </a:ln>
+                <a:solidFill>
+                  <a:srgbClr val="000080"/>
+                </a:solidFill>
+                <a:effectLst/>
+                <a:latin typeface="Arial Unicode MS"/>
+                <a:ea typeface="JetBrains Mono"/>
+              </a:rPr>
+              <a:t>c</a:t>
+            </a:r>
+            <a:r>
+              <a:rPr kumimoji="0" lang="zh-CN" altLang="zh-CN" sz="900" b="0" i="0" u="none" strike="noStrike" cap="none" normalizeH="0" baseline="0" dirty="0">
+                <a:ln>
+                  <a:noFill/>
+                </a:ln>
+                <a:solidFill>
+                  <a:srgbClr val="000000"/>
+                </a:solidFill>
+                <a:effectLst/>
+                <a:latin typeface="Arial Unicode MS"/>
+                <a:ea typeface="JetBrains Mono"/>
+              </a:rPr>
+              <a:t>.</a:t>
+            </a:r>
+            <a:r>
+              <a:rPr kumimoji="0" lang="zh-CN" altLang="zh-CN" sz="900" b="1" i="0" u="none" strike="noStrike" cap="none" normalizeH="0" baseline="0" dirty="0">
+                <a:ln>
+                  <a:noFill/>
+                </a:ln>
+                <a:solidFill>
+                  <a:srgbClr val="660E7A"/>
+                </a:solidFill>
+                <a:effectLst/>
+                <a:latin typeface="Arial Unicode MS"/>
+                <a:ea typeface="JetBrains Mono"/>
+              </a:rPr>
+              <a:t>location                                     </a:t>
+            </a:r>
+            <a:r>
+              <a:rPr kumimoji="0" lang="zh-CN" altLang="zh-CN" sz="900" b="1" i="0" u="none" strike="noStrike" cap="none" normalizeH="0" baseline="0" dirty="0">
+                <a:ln>
+                  <a:noFill/>
+                </a:ln>
+                <a:solidFill>
+                  <a:srgbClr val="000080"/>
+                </a:solidFill>
+                <a:effectLst/>
+                <a:latin typeface="Arial Unicode MS"/>
+                <a:ea typeface="JetBrains Mono"/>
+              </a:rPr>
+              <a:t>as location</a:t>
+            </a:r>
+            <a:br>
+              <a:rPr kumimoji="0" lang="zh-CN" altLang="zh-CN" sz="900" b="1" i="0" u="none" strike="noStrike" cap="none" normalizeH="0" baseline="0" dirty="0">
+                <a:ln>
+                  <a:noFill/>
+                </a:ln>
+                <a:solidFill>
+                  <a:srgbClr val="000080"/>
+                </a:solidFill>
+                <a:effectLst/>
+                <a:latin typeface="Arial Unicode MS"/>
+                <a:ea typeface="JetBrains Mono"/>
+              </a:rPr>
+            </a:br>
+            <a:r>
+              <a:rPr kumimoji="0" lang="zh-CN" altLang="zh-CN" sz="900" b="1" i="0" u="none" strike="noStrike" cap="none" normalizeH="0" baseline="0" dirty="0">
+                <a:ln>
+                  <a:noFill/>
+                </a:ln>
+                <a:solidFill>
+                  <a:srgbClr val="000080"/>
+                </a:solidFill>
+                <a:effectLst/>
+                <a:latin typeface="Arial Unicode MS"/>
+                <a:ea typeface="JetBrains Mono"/>
+              </a:rPr>
+              <a:t>    from </a:t>
+            </a:r>
+            <a:r>
+              <a:rPr kumimoji="0" lang="zh-CN" altLang="zh-CN" sz="900" b="0" i="0" u="none" strike="noStrike" cap="none" normalizeH="0" baseline="0" dirty="0">
+                <a:ln>
+                  <a:noFill/>
+                </a:ln>
+                <a:solidFill>
+                  <a:srgbClr val="000000"/>
+                </a:solidFill>
+                <a:effectLst/>
+                <a:latin typeface="Arial Unicode MS"/>
+                <a:ea typeface="JetBrains Mono"/>
+              </a:rPr>
+              <a:t>temp_sections</a:t>
+            </a:r>
+            <a:br>
+              <a:rPr kumimoji="0" lang="zh-CN" altLang="zh-CN" sz="900" b="0" i="0" u="none" strike="noStrike" cap="none" normalizeH="0" baseline="0" dirty="0">
+                <a:ln>
+                  <a:noFill/>
+                </a:ln>
+                <a:solidFill>
+                  <a:srgbClr val="000000"/>
+                </a:solidFill>
+                <a:effectLst/>
+                <a:latin typeface="Arial Unicode MS"/>
+                <a:ea typeface="JetBrains Mono"/>
+              </a:rPr>
+            </a:br>
+            <a:r>
+              <a:rPr kumimoji="0" lang="zh-CN" altLang="zh-CN" sz="900" b="0" i="0" u="none" strike="noStrike" cap="none" normalizeH="0" baseline="0" dirty="0">
+                <a:ln>
+                  <a:noFill/>
+                </a:ln>
+                <a:solidFill>
+                  <a:srgbClr val="000000"/>
+                </a:solidFill>
+                <a:effectLst/>
+                <a:latin typeface="Arial Unicode MS"/>
+                <a:ea typeface="JetBrains Mono"/>
+              </a:rPr>
+              <a:t>             </a:t>
+            </a:r>
+            <a:r>
+              <a:rPr kumimoji="0" lang="zh-CN" altLang="zh-CN" sz="900" b="1" i="0" u="none" strike="noStrike" cap="none" normalizeH="0" baseline="0" dirty="0">
+                <a:ln>
+                  <a:noFill/>
+                </a:ln>
+                <a:solidFill>
+                  <a:srgbClr val="000080"/>
+                </a:solidFill>
+                <a:effectLst/>
+                <a:latin typeface="Arial Unicode MS"/>
+                <a:ea typeface="JetBrains Mono"/>
+              </a:rPr>
+              <a:t>join </a:t>
+            </a:r>
+            <a:r>
+              <a:rPr kumimoji="0" lang="zh-CN" altLang="zh-CN" sz="900" b="0" i="0" u="none" strike="noStrike" cap="none" normalizeH="0" baseline="0" dirty="0">
+                <a:ln>
+                  <a:noFill/>
+                </a:ln>
+                <a:solidFill>
+                  <a:srgbClr val="000000"/>
+                </a:solidFill>
+                <a:effectLst/>
+                <a:latin typeface="Arial Unicode MS"/>
+                <a:ea typeface="JetBrains Mono"/>
+              </a:rPr>
+              <a:t>section </a:t>
+            </a:r>
+            <a:r>
+              <a:rPr kumimoji="0" lang="zh-CN" altLang="zh-CN" sz="900" b="1" i="0" u="none" strike="noStrike" cap="none" normalizeH="0" baseline="0" dirty="0">
+                <a:ln>
+                  <a:noFill/>
+                </a:ln>
+                <a:solidFill>
+                  <a:srgbClr val="000080"/>
+                </a:solidFill>
+                <a:effectLst/>
+                <a:latin typeface="Arial Unicode MS"/>
+                <a:ea typeface="JetBrains Mono"/>
+              </a:rPr>
+              <a:t>s on </a:t>
+            </a:r>
+            <a:r>
+              <a:rPr kumimoji="0" lang="zh-CN" altLang="zh-CN" sz="900" b="1" i="0" u="none" strike="noStrike" cap="none" normalizeH="0" baseline="0" dirty="0">
+                <a:ln>
+                  <a:noFill/>
+                </a:ln>
+                <a:solidFill>
+                  <a:srgbClr val="660E7A"/>
+                </a:solidFill>
+                <a:effectLst/>
+                <a:latin typeface="Arial Unicode MS"/>
+                <a:ea typeface="JetBrains Mono"/>
+              </a:rPr>
+              <a:t>section_id </a:t>
+            </a:r>
+            <a:r>
+              <a:rPr kumimoji="0" lang="zh-CN" altLang="zh-CN" sz="900" b="0" i="0" u="none" strike="noStrike" cap="none" normalizeH="0" baseline="0" dirty="0">
+                <a:ln>
+                  <a:noFill/>
+                </a:ln>
+                <a:solidFill>
+                  <a:srgbClr val="000000"/>
+                </a:solidFill>
+                <a:effectLst/>
+                <a:latin typeface="Arial Unicode MS"/>
+                <a:ea typeface="JetBrains Mono"/>
+              </a:rPr>
+              <a:t>= </a:t>
+            </a:r>
+            <a:r>
+              <a:rPr kumimoji="0" lang="zh-CN" altLang="zh-CN" sz="900" b="1" i="0" u="none" strike="noStrike" cap="none" normalizeH="0" baseline="0" dirty="0">
+                <a:ln>
+                  <a:noFill/>
+                </a:ln>
+                <a:solidFill>
+                  <a:srgbClr val="000080"/>
+                </a:solidFill>
+                <a:effectLst/>
+                <a:latin typeface="Arial Unicode MS"/>
+                <a:ea typeface="JetBrains Mono"/>
+              </a:rPr>
+              <a:t>s</a:t>
+            </a:r>
+            <a:r>
+              <a:rPr kumimoji="0" lang="zh-CN" altLang="zh-CN" sz="900" b="0" i="0" u="none" strike="noStrike" cap="none" normalizeH="0" baseline="0" dirty="0">
+                <a:ln>
+                  <a:noFill/>
+                </a:ln>
+                <a:solidFill>
+                  <a:srgbClr val="000000"/>
+                </a:solidFill>
+                <a:effectLst/>
+                <a:latin typeface="Arial Unicode MS"/>
+                <a:ea typeface="JetBrains Mono"/>
+              </a:rPr>
+              <a:t>.</a:t>
+            </a:r>
+            <a:r>
+              <a:rPr kumimoji="0" lang="zh-CN" altLang="zh-CN" sz="900" b="1" i="0" u="none" strike="noStrike" cap="none" normalizeH="0" baseline="0" dirty="0">
+                <a:ln>
+                  <a:noFill/>
+                </a:ln>
+                <a:solidFill>
+                  <a:srgbClr val="660E7A"/>
+                </a:solidFill>
+                <a:effectLst/>
+                <a:latin typeface="Arial Unicode MS"/>
+                <a:ea typeface="JetBrains Mono"/>
+              </a:rPr>
+              <a:t>id</a:t>
+            </a:r>
+            <a:br>
+              <a:rPr kumimoji="0" lang="zh-CN" altLang="zh-CN" sz="900" b="1" i="0" u="none" strike="noStrike" cap="none" normalizeH="0" baseline="0" dirty="0">
+                <a:ln>
+                  <a:noFill/>
+                </a:ln>
+                <a:solidFill>
+                  <a:srgbClr val="660E7A"/>
+                </a:solidFill>
+                <a:effectLst/>
+                <a:latin typeface="Arial Unicode MS"/>
+                <a:ea typeface="JetBrains Mono"/>
+              </a:rPr>
+            </a:br>
+            <a:r>
+              <a:rPr kumimoji="0" lang="zh-CN" altLang="zh-CN" sz="900" b="1" i="0" u="none" strike="noStrike" cap="none" normalizeH="0" baseline="0" dirty="0">
+                <a:ln>
+                  <a:noFill/>
+                </a:ln>
+                <a:solidFill>
+                  <a:srgbClr val="660E7A"/>
+                </a:solidFill>
+                <a:effectLst/>
+                <a:latin typeface="Arial Unicode MS"/>
+                <a:ea typeface="JetBrains Mono"/>
+              </a:rPr>
+              <a:t>             </a:t>
+            </a:r>
+            <a:r>
+              <a:rPr kumimoji="0" lang="zh-CN" altLang="zh-CN" sz="900" b="1" i="0" u="none" strike="noStrike" cap="none" normalizeH="0" baseline="0" dirty="0">
+                <a:ln>
+                  <a:noFill/>
+                </a:ln>
+                <a:solidFill>
+                  <a:srgbClr val="000080"/>
+                </a:solidFill>
+                <a:effectLst/>
+                <a:latin typeface="Arial Unicode MS"/>
+                <a:ea typeface="JetBrains Mono"/>
+              </a:rPr>
+              <a:t>join class c on s</a:t>
+            </a:r>
+            <a:r>
+              <a:rPr kumimoji="0" lang="zh-CN" altLang="zh-CN" sz="900" b="0" i="0" u="none" strike="noStrike" cap="none" normalizeH="0" baseline="0" dirty="0">
+                <a:ln>
+                  <a:noFill/>
+                </a:ln>
+                <a:solidFill>
+                  <a:srgbClr val="000000"/>
+                </a:solidFill>
+                <a:effectLst/>
+                <a:latin typeface="Arial Unicode MS"/>
+                <a:ea typeface="JetBrains Mono"/>
+              </a:rPr>
+              <a:t>.</a:t>
+            </a:r>
+            <a:r>
+              <a:rPr kumimoji="0" lang="zh-CN" altLang="zh-CN" sz="900" b="1" i="0" u="none" strike="noStrike" cap="none" normalizeH="0" baseline="0" dirty="0">
+                <a:ln>
+                  <a:noFill/>
+                </a:ln>
+                <a:solidFill>
+                  <a:srgbClr val="660E7A"/>
+                </a:solidFill>
+                <a:effectLst/>
+                <a:latin typeface="Arial Unicode MS"/>
+                <a:ea typeface="JetBrains Mono"/>
+              </a:rPr>
+              <a:t>id </a:t>
+            </a:r>
+            <a:r>
+              <a:rPr kumimoji="0" lang="zh-CN" altLang="zh-CN" sz="900" b="0" i="0" u="none" strike="noStrike" cap="none" normalizeH="0" baseline="0" dirty="0">
+                <a:ln>
+                  <a:noFill/>
+                </a:ln>
+                <a:solidFill>
+                  <a:srgbClr val="000000"/>
+                </a:solidFill>
+                <a:effectLst/>
+                <a:latin typeface="Arial Unicode MS"/>
+                <a:ea typeface="JetBrains Mono"/>
+              </a:rPr>
+              <a:t>= </a:t>
+            </a:r>
+            <a:r>
+              <a:rPr kumimoji="0" lang="zh-CN" altLang="zh-CN" sz="900" b="1" i="0" u="none" strike="noStrike" cap="none" normalizeH="0" baseline="0" dirty="0">
+                <a:ln>
+                  <a:noFill/>
+                </a:ln>
+                <a:solidFill>
+                  <a:srgbClr val="000080"/>
+                </a:solidFill>
+                <a:effectLst/>
+                <a:latin typeface="Arial Unicode MS"/>
+                <a:ea typeface="JetBrains Mono"/>
+              </a:rPr>
+              <a:t>c</a:t>
+            </a:r>
+            <a:r>
+              <a:rPr kumimoji="0" lang="zh-CN" altLang="zh-CN" sz="900" b="0" i="0" u="none" strike="noStrike" cap="none" normalizeH="0" baseline="0" dirty="0">
+                <a:ln>
+                  <a:noFill/>
+                </a:ln>
+                <a:solidFill>
+                  <a:srgbClr val="000000"/>
+                </a:solidFill>
+                <a:effectLst/>
+                <a:latin typeface="Arial Unicode MS"/>
+                <a:ea typeface="JetBrains Mono"/>
+              </a:rPr>
+              <a:t>.</a:t>
+            </a:r>
+            <a:r>
+              <a:rPr kumimoji="0" lang="zh-CN" altLang="zh-CN" sz="900" b="1" i="0" u="none" strike="noStrike" cap="none" normalizeH="0" baseline="0" dirty="0">
+                <a:ln>
+                  <a:noFill/>
+                </a:ln>
+                <a:solidFill>
+                  <a:srgbClr val="660E7A"/>
+                </a:solidFill>
+                <a:effectLst/>
+                <a:latin typeface="Arial Unicode MS"/>
+                <a:ea typeface="JetBrains Mono"/>
+              </a:rPr>
+              <a:t>section_id</a:t>
+            </a:r>
+            <a:br>
+              <a:rPr kumimoji="0" lang="zh-CN" altLang="zh-CN" sz="900" b="1" i="0" u="none" strike="noStrike" cap="none" normalizeH="0" baseline="0" dirty="0">
+                <a:ln>
+                  <a:noFill/>
+                </a:ln>
+                <a:solidFill>
+                  <a:srgbClr val="660E7A"/>
+                </a:solidFill>
+                <a:effectLst/>
+                <a:latin typeface="Arial Unicode MS"/>
+                <a:ea typeface="JetBrains Mono"/>
+              </a:rPr>
+            </a:br>
+            <a:r>
+              <a:rPr kumimoji="0" lang="zh-CN" altLang="zh-CN" sz="900" b="1" i="0" u="none" strike="noStrike" cap="none" normalizeH="0" baseline="0" dirty="0">
+                <a:ln>
+                  <a:noFill/>
+                </a:ln>
+                <a:solidFill>
+                  <a:srgbClr val="660E7A"/>
+                </a:solidFill>
+                <a:effectLst/>
+                <a:latin typeface="Arial Unicode MS"/>
+                <a:ea typeface="JetBrains Mono"/>
+              </a:rPr>
+              <a:t>             </a:t>
+            </a:r>
+            <a:r>
+              <a:rPr kumimoji="0" lang="zh-CN" altLang="zh-CN" sz="900" b="1" i="0" u="none" strike="noStrike" cap="none" normalizeH="0" baseline="0" dirty="0">
+                <a:ln>
+                  <a:noFill/>
+                </a:ln>
+                <a:solidFill>
+                  <a:srgbClr val="000080"/>
+                </a:solidFill>
+                <a:effectLst/>
+                <a:latin typeface="Arial Unicode MS"/>
+                <a:ea typeface="JetBrains Mono"/>
+              </a:rPr>
+              <a:t>join </a:t>
+            </a:r>
+            <a:r>
+              <a:rPr kumimoji="0" lang="zh-CN" altLang="zh-CN" sz="900" b="0" i="0" u="none" strike="noStrike" cap="none" normalizeH="0" baseline="0" dirty="0">
+                <a:ln>
+                  <a:noFill/>
+                </a:ln>
+                <a:solidFill>
+                  <a:srgbClr val="000000"/>
+                </a:solidFill>
+                <a:effectLst/>
+                <a:latin typeface="Arial Unicode MS"/>
+                <a:ea typeface="JetBrains Mono"/>
+              </a:rPr>
+              <a:t>instructor i </a:t>
+            </a:r>
+            <a:r>
+              <a:rPr kumimoji="0" lang="zh-CN" altLang="zh-CN" sz="900" b="1" i="0" u="none" strike="noStrike" cap="none" normalizeH="0" baseline="0" dirty="0">
+                <a:ln>
+                  <a:noFill/>
+                </a:ln>
+                <a:solidFill>
+                  <a:srgbClr val="000080"/>
+                </a:solidFill>
+                <a:effectLst/>
+                <a:latin typeface="Arial Unicode MS"/>
+                <a:ea typeface="JetBrains Mono"/>
+              </a:rPr>
+              <a:t>on </a:t>
+            </a:r>
+            <a:r>
+              <a:rPr kumimoji="0" lang="zh-CN" altLang="zh-CN" sz="900" b="0" i="0" u="none" strike="noStrike" cap="none" normalizeH="0" baseline="0" dirty="0">
+                <a:ln>
+                  <a:noFill/>
+                </a:ln>
+                <a:solidFill>
+                  <a:srgbClr val="000000"/>
+                </a:solidFill>
+                <a:effectLst/>
+                <a:latin typeface="Arial Unicode MS"/>
+                <a:ea typeface="JetBrains Mono"/>
+              </a:rPr>
+              <a:t>i.</a:t>
+            </a:r>
+            <a:r>
+              <a:rPr kumimoji="0" lang="zh-CN" altLang="zh-CN" sz="900" b="1" i="0" u="none" strike="noStrike" cap="none" normalizeH="0" baseline="0" dirty="0">
+                <a:ln>
+                  <a:noFill/>
+                </a:ln>
+                <a:solidFill>
+                  <a:srgbClr val="660E7A"/>
+                </a:solidFill>
+                <a:effectLst/>
+                <a:latin typeface="Arial Unicode MS"/>
+                <a:ea typeface="JetBrains Mono"/>
+              </a:rPr>
+              <a:t>user_id </a:t>
+            </a:r>
+            <a:r>
+              <a:rPr kumimoji="0" lang="zh-CN" altLang="zh-CN" sz="900" b="0" i="0" u="none" strike="noStrike" cap="none" normalizeH="0" baseline="0" dirty="0">
+                <a:ln>
+                  <a:noFill/>
+                </a:ln>
+                <a:solidFill>
+                  <a:srgbClr val="000000"/>
+                </a:solidFill>
+                <a:effectLst/>
+                <a:latin typeface="Arial Unicode MS"/>
+                <a:ea typeface="JetBrains Mono"/>
+              </a:rPr>
+              <a:t>= </a:t>
+            </a:r>
+            <a:r>
+              <a:rPr kumimoji="0" lang="zh-CN" altLang="zh-CN" sz="900" b="1" i="0" u="none" strike="noStrike" cap="none" normalizeH="0" baseline="0" dirty="0">
+                <a:ln>
+                  <a:noFill/>
+                </a:ln>
+                <a:solidFill>
+                  <a:srgbClr val="000080"/>
+                </a:solidFill>
+                <a:effectLst/>
+                <a:latin typeface="Arial Unicode MS"/>
+                <a:ea typeface="JetBrains Mono"/>
+              </a:rPr>
+              <a:t>c</a:t>
+            </a:r>
+            <a:r>
+              <a:rPr kumimoji="0" lang="zh-CN" altLang="zh-CN" sz="900" b="0" i="0" u="none" strike="noStrike" cap="none" normalizeH="0" baseline="0" dirty="0">
+                <a:ln>
+                  <a:noFill/>
+                </a:ln>
+                <a:solidFill>
+                  <a:srgbClr val="000000"/>
+                </a:solidFill>
+                <a:effectLst/>
+                <a:latin typeface="Arial Unicode MS"/>
+                <a:ea typeface="JetBrains Mono"/>
+              </a:rPr>
+              <a:t>.</a:t>
+            </a:r>
+            <a:r>
+              <a:rPr kumimoji="0" lang="zh-CN" altLang="zh-CN" sz="900" b="1" i="0" u="none" strike="noStrike" cap="none" normalizeH="0" baseline="0" dirty="0">
+                <a:ln>
+                  <a:noFill/>
+                </a:ln>
+                <a:solidFill>
+                  <a:srgbClr val="660E7A"/>
+                </a:solidFill>
+                <a:effectLst/>
+                <a:latin typeface="Arial Unicode MS"/>
+                <a:ea typeface="JetBrains Mono"/>
+              </a:rPr>
+              <a:t>instructor_id</a:t>
+            </a:r>
+            <a:br>
+              <a:rPr kumimoji="0" lang="zh-CN" altLang="zh-CN" sz="900" b="1" i="0" u="none" strike="noStrike" cap="none" normalizeH="0" baseline="0" dirty="0">
+                <a:ln>
+                  <a:noFill/>
+                </a:ln>
+                <a:solidFill>
+                  <a:srgbClr val="660E7A"/>
+                </a:solidFill>
+                <a:effectLst/>
+                <a:latin typeface="Arial Unicode MS"/>
+                <a:ea typeface="JetBrains Mono"/>
+              </a:rPr>
+            </a:br>
+            <a:r>
+              <a:rPr kumimoji="0" lang="zh-CN" altLang="zh-CN" sz="900" b="1" i="0" u="none" strike="noStrike" cap="none" normalizeH="0" baseline="0" dirty="0">
+                <a:ln>
+                  <a:noFill/>
+                </a:ln>
+                <a:solidFill>
+                  <a:srgbClr val="660E7A"/>
+                </a:solidFill>
+                <a:effectLst/>
+                <a:latin typeface="Arial Unicode MS"/>
+                <a:ea typeface="JetBrains Mono"/>
+              </a:rPr>
+              <a:t>             </a:t>
+            </a:r>
+            <a:r>
+              <a:rPr kumimoji="0" lang="zh-CN" altLang="zh-CN" sz="900" b="1" i="0" u="none" strike="noStrike" cap="none" normalizeH="0" baseline="0" dirty="0">
+                <a:ln>
+                  <a:noFill/>
+                </a:ln>
+                <a:solidFill>
+                  <a:srgbClr val="000080"/>
+                </a:solidFill>
+                <a:effectLst/>
+                <a:latin typeface="Arial Unicode MS"/>
+                <a:ea typeface="JetBrains Mono"/>
+              </a:rPr>
+              <a:t>join </a:t>
+            </a:r>
+            <a:r>
+              <a:rPr kumimoji="0" lang="zh-CN" altLang="zh-CN" sz="900" b="0" i="0" u="none" strike="noStrike" cap="none" normalizeH="0" baseline="0" dirty="0">
+                <a:ln>
+                  <a:noFill/>
+                </a:ln>
+                <a:solidFill>
+                  <a:srgbClr val="000000"/>
+                </a:solidFill>
+                <a:effectLst/>
+                <a:latin typeface="Arial Unicode MS"/>
+                <a:ea typeface="JetBrains Mono"/>
+              </a:rPr>
+              <a:t>"user" u </a:t>
+            </a:r>
+            <a:r>
+              <a:rPr kumimoji="0" lang="zh-CN" altLang="zh-CN" sz="900" b="1" i="0" u="none" strike="noStrike" cap="none" normalizeH="0" baseline="0" dirty="0">
+                <a:ln>
+                  <a:noFill/>
+                </a:ln>
+                <a:solidFill>
+                  <a:srgbClr val="000080"/>
+                </a:solidFill>
+                <a:effectLst/>
+                <a:latin typeface="Arial Unicode MS"/>
+                <a:ea typeface="JetBrains Mono"/>
+              </a:rPr>
+              <a:t>on </a:t>
+            </a:r>
+            <a:r>
+              <a:rPr kumimoji="0" lang="zh-CN" altLang="zh-CN" sz="900" b="0" i="0" u="none" strike="noStrike" cap="none" normalizeH="0" baseline="0" dirty="0">
+                <a:ln>
+                  <a:noFill/>
+                </a:ln>
+                <a:solidFill>
+                  <a:srgbClr val="000000"/>
+                </a:solidFill>
+                <a:effectLst/>
+                <a:latin typeface="Arial Unicode MS"/>
+                <a:ea typeface="JetBrains Mono"/>
+              </a:rPr>
+              <a:t>u.</a:t>
+            </a:r>
+            <a:r>
+              <a:rPr kumimoji="0" lang="zh-CN" altLang="zh-CN" sz="900" b="1" i="0" u="none" strike="noStrike" cap="none" normalizeH="0" baseline="0" dirty="0">
+                <a:ln>
+                  <a:noFill/>
+                </a:ln>
+                <a:solidFill>
+                  <a:srgbClr val="660E7A"/>
+                </a:solidFill>
+                <a:effectLst/>
+                <a:latin typeface="Arial Unicode MS"/>
+                <a:ea typeface="JetBrains Mono"/>
+              </a:rPr>
+              <a:t>id </a:t>
+            </a:r>
+            <a:r>
+              <a:rPr kumimoji="0" lang="zh-CN" altLang="zh-CN" sz="900" b="0" i="0" u="none" strike="noStrike" cap="none" normalizeH="0" baseline="0" dirty="0">
+                <a:ln>
+                  <a:noFill/>
+                </a:ln>
+                <a:solidFill>
+                  <a:srgbClr val="000000"/>
+                </a:solidFill>
+                <a:effectLst/>
+                <a:latin typeface="Arial Unicode MS"/>
+                <a:ea typeface="JetBrains Mono"/>
+              </a:rPr>
+              <a:t>= i.</a:t>
+            </a:r>
+            <a:r>
+              <a:rPr kumimoji="0" lang="zh-CN" altLang="zh-CN" sz="900" b="1" i="0" u="none" strike="noStrike" cap="none" normalizeH="0" baseline="0" dirty="0">
+                <a:ln>
+                  <a:noFill/>
+                </a:ln>
+                <a:solidFill>
+                  <a:srgbClr val="660E7A"/>
+                </a:solidFill>
+                <a:effectLst/>
+                <a:latin typeface="Arial Unicode MS"/>
+                <a:ea typeface="JetBrains Mono"/>
+              </a:rPr>
+              <a:t>user_id</a:t>
+            </a:r>
+            <a:br>
+              <a:rPr kumimoji="0" lang="zh-CN" altLang="zh-CN" sz="900" b="1" i="0" u="none" strike="noStrike" cap="none" normalizeH="0" baseline="0" dirty="0">
+                <a:ln>
+                  <a:noFill/>
+                </a:ln>
+                <a:solidFill>
+                  <a:srgbClr val="660E7A"/>
+                </a:solidFill>
+                <a:effectLst/>
+                <a:latin typeface="Arial Unicode MS"/>
+                <a:ea typeface="JetBrains Mono"/>
+              </a:rPr>
+            </a:br>
+            <a:r>
+              <a:rPr kumimoji="0" lang="zh-CN" altLang="zh-CN" sz="900" b="1" i="0" u="none" strike="noStrike" cap="none" normalizeH="0" baseline="0" dirty="0">
+                <a:ln>
+                  <a:noFill/>
+                </a:ln>
+                <a:solidFill>
+                  <a:srgbClr val="660E7A"/>
+                </a:solidFill>
+                <a:effectLst/>
+                <a:latin typeface="Arial Unicode MS"/>
+                <a:ea typeface="JetBrains Mono"/>
+              </a:rPr>
+              <a:t>             </a:t>
+            </a:r>
+            <a:r>
+              <a:rPr kumimoji="0" lang="zh-CN" altLang="zh-CN" sz="900" b="1" i="0" u="none" strike="noStrike" cap="none" normalizeH="0" baseline="0" dirty="0">
+                <a:ln>
+                  <a:noFill/>
+                </a:ln>
+                <a:solidFill>
+                  <a:srgbClr val="000080"/>
+                </a:solidFill>
+                <a:effectLst/>
+                <a:latin typeface="Arial Unicode MS"/>
+                <a:ea typeface="JetBrains Mono"/>
+              </a:rPr>
+              <a:t>join </a:t>
+            </a:r>
+            <a:r>
+              <a:rPr kumimoji="0" lang="zh-CN" altLang="zh-CN" sz="900" b="0" i="0" u="none" strike="noStrike" cap="none" normalizeH="0" baseline="0" dirty="0">
+                <a:ln>
+                  <a:noFill/>
+                </a:ln>
+                <a:solidFill>
+                  <a:srgbClr val="000000"/>
+                </a:solidFill>
+                <a:effectLst/>
+                <a:latin typeface="Arial Unicode MS"/>
+                <a:ea typeface="JetBrains Mono"/>
+              </a:rPr>
+              <a:t>course c2 </a:t>
+            </a:r>
+            <a:r>
+              <a:rPr kumimoji="0" lang="zh-CN" altLang="zh-CN" sz="900" b="1" i="0" u="none" strike="noStrike" cap="none" normalizeH="0" baseline="0" dirty="0">
+                <a:ln>
+                  <a:noFill/>
+                </a:ln>
+                <a:solidFill>
+                  <a:srgbClr val="000080"/>
+                </a:solidFill>
+                <a:effectLst/>
+                <a:latin typeface="Arial Unicode MS"/>
+                <a:ea typeface="JetBrains Mono"/>
+              </a:rPr>
+              <a:t>on s</a:t>
+            </a:r>
+            <a:r>
+              <a:rPr kumimoji="0" lang="zh-CN" altLang="zh-CN" sz="900" b="0" i="0" u="none" strike="noStrike" cap="none" normalizeH="0" baseline="0" dirty="0">
+                <a:ln>
+                  <a:noFill/>
+                </a:ln>
+                <a:solidFill>
+                  <a:srgbClr val="000000"/>
+                </a:solidFill>
+                <a:effectLst/>
+                <a:latin typeface="Arial Unicode MS"/>
+                <a:ea typeface="JetBrains Mono"/>
+              </a:rPr>
+              <a:t>.</a:t>
+            </a:r>
+            <a:r>
+              <a:rPr kumimoji="0" lang="zh-CN" altLang="zh-CN" sz="900" b="1" i="0" u="none" strike="noStrike" cap="none" normalizeH="0" baseline="0" dirty="0">
+                <a:ln>
+                  <a:noFill/>
+                </a:ln>
+                <a:solidFill>
+                  <a:srgbClr val="660E7A"/>
+                </a:solidFill>
+                <a:effectLst/>
+                <a:latin typeface="Arial Unicode MS"/>
+                <a:ea typeface="JetBrains Mono"/>
+              </a:rPr>
+              <a:t>course_id </a:t>
+            </a:r>
+            <a:r>
+              <a:rPr kumimoji="0" lang="zh-CN" altLang="zh-CN" sz="900" b="0" i="0" u="none" strike="noStrike" cap="none" normalizeH="0" baseline="0" dirty="0">
+                <a:ln>
+                  <a:noFill/>
+                </a:ln>
+                <a:solidFill>
+                  <a:srgbClr val="000000"/>
+                </a:solidFill>
+                <a:effectLst/>
+                <a:latin typeface="Arial Unicode MS"/>
+                <a:ea typeface="JetBrains Mono"/>
+              </a:rPr>
+              <a:t>= c2.</a:t>
+            </a:r>
+            <a:r>
+              <a:rPr kumimoji="0" lang="zh-CN" altLang="zh-CN" sz="900" b="1" i="0" u="none" strike="noStrike" cap="none" normalizeH="0" baseline="0" dirty="0">
+                <a:ln>
+                  <a:noFill/>
+                </a:ln>
+                <a:solidFill>
+                  <a:srgbClr val="660E7A"/>
+                </a:solidFill>
+                <a:effectLst/>
+                <a:latin typeface="Arial Unicode MS"/>
+                <a:ea typeface="JetBrains Mono"/>
+              </a:rPr>
+              <a:t>id</a:t>
+            </a:r>
+            <a:br>
+              <a:rPr kumimoji="0" lang="zh-CN" altLang="zh-CN" sz="900" b="1" i="0" u="none" strike="noStrike" cap="none" normalizeH="0" baseline="0" dirty="0">
+                <a:ln>
+                  <a:noFill/>
+                </a:ln>
+                <a:solidFill>
+                  <a:srgbClr val="660E7A"/>
+                </a:solidFill>
+                <a:effectLst/>
+                <a:latin typeface="Arial Unicode MS"/>
+                <a:ea typeface="JetBrains Mono"/>
+              </a:rPr>
+            </a:br>
+            <a:r>
+              <a:rPr kumimoji="0" lang="zh-CN" altLang="zh-CN" sz="900" b="1" i="0" u="none" strike="noStrike" cap="none" normalizeH="0" baseline="0" dirty="0">
+                <a:ln>
+                  <a:noFill/>
+                </a:ln>
+                <a:solidFill>
+                  <a:srgbClr val="660E7A"/>
+                </a:solidFill>
+                <a:effectLst/>
+                <a:latin typeface="Arial Unicode MS"/>
+                <a:ea typeface="JetBrains Mono"/>
+              </a:rPr>
+              <a:t>    </a:t>
+            </a:r>
+            <a:r>
+              <a:rPr kumimoji="0" lang="zh-CN" altLang="zh-CN" sz="900" b="1" i="0" u="none" strike="noStrike" cap="none" normalizeH="0" baseline="0" dirty="0">
+                <a:ln>
+                  <a:noFill/>
+                </a:ln>
+                <a:solidFill>
+                  <a:srgbClr val="000080"/>
+                </a:solidFill>
+                <a:effectLst/>
+                <a:latin typeface="Arial Unicode MS"/>
+                <a:ea typeface="JetBrains Mono"/>
+              </a:rPr>
+              <a:t>where </a:t>
+            </a:r>
+            <a:r>
+              <a:rPr kumimoji="0" lang="zh-CN" altLang="zh-CN" sz="900" b="1" i="0" u="none" strike="noStrike" cap="none" normalizeH="0" baseline="0" dirty="0">
+                <a:ln>
+                  <a:noFill/>
+                </a:ln>
+                <a:solidFill>
+                  <a:srgbClr val="660E7A"/>
+                </a:solidFill>
+                <a:effectLst/>
+                <a:latin typeface="Arial Unicode MS"/>
+                <a:ea typeface="JetBrains Mono"/>
+              </a:rPr>
+              <a:t>semester_id </a:t>
+            </a:r>
+            <a:r>
+              <a:rPr kumimoji="0" lang="zh-CN" altLang="zh-CN" sz="900" b="0" i="0" u="none" strike="noStrike" cap="none" normalizeH="0" baseline="0" dirty="0">
+                <a:ln>
+                  <a:noFill/>
+                </a:ln>
+                <a:solidFill>
+                  <a:srgbClr val="000000"/>
+                </a:solidFill>
+                <a:effectLst/>
+                <a:latin typeface="Arial Unicode MS"/>
+                <a:ea typeface="JetBrains Mono"/>
+              </a:rPr>
+              <a:t>= current_semester_id</a:t>
+            </a:r>
+            <a:br>
+              <a:rPr kumimoji="0" lang="zh-CN" altLang="zh-CN" sz="900" b="0" i="0" u="none" strike="noStrike" cap="none" normalizeH="0" baseline="0" dirty="0">
+                <a:ln>
+                  <a:noFill/>
+                </a:ln>
+                <a:solidFill>
+                  <a:srgbClr val="000000"/>
+                </a:solidFill>
+                <a:effectLst/>
+                <a:latin typeface="Arial Unicode MS"/>
+                <a:ea typeface="JetBrains Mono"/>
+              </a:rPr>
+            </a:br>
+            <a:r>
+              <a:rPr kumimoji="0" lang="zh-CN" altLang="zh-CN" sz="900" b="0" i="0" u="none" strike="noStrike" cap="none" normalizeH="0" baseline="0" dirty="0">
+                <a:ln>
+                  <a:noFill/>
+                </a:ln>
+                <a:solidFill>
+                  <a:srgbClr val="000000"/>
+                </a:solidFill>
+                <a:effectLst/>
+                <a:latin typeface="Arial Unicode MS"/>
+                <a:ea typeface="JetBrains Mono"/>
+              </a:rPr>
+              <a:t>      </a:t>
+            </a:r>
+            <a:r>
+              <a:rPr kumimoji="0" lang="zh-CN" altLang="zh-CN" sz="900" b="1" i="0" u="none" strike="noStrike" cap="none" normalizeH="0" baseline="0" dirty="0">
+                <a:ln>
+                  <a:noFill/>
+                </a:ln>
+                <a:solidFill>
+                  <a:srgbClr val="000080"/>
+                </a:solidFill>
+                <a:effectLst/>
+                <a:latin typeface="Arial Unicode MS"/>
+                <a:ea typeface="JetBrains Mono"/>
+              </a:rPr>
+              <a:t>and </a:t>
+            </a:r>
+            <a:r>
+              <a:rPr kumimoji="0" lang="zh-CN" altLang="zh-CN" sz="900" b="1" i="0" u="none" strike="noStrike" cap="none" normalizeH="0" baseline="0" dirty="0">
+                <a:ln>
+                  <a:noFill/>
+                </a:ln>
+                <a:solidFill>
+                  <a:srgbClr val="660E7A"/>
+                </a:solidFill>
+                <a:effectLst/>
+                <a:latin typeface="Arial Unicode MS"/>
+                <a:ea typeface="JetBrains Mono"/>
+              </a:rPr>
+              <a:t>week_list </a:t>
+            </a:r>
+            <a:r>
+              <a:rPr kumimoji="0" lang="zh-CN" altLang="zh-CN" sz="900" b="0" i="0" u="none" strike="noStrike" cap="none" normalizeH="0" baseline="0" dirty="0">
+                <a:ln>
+                  <a:noFill/>
+                </a:ln>
+                <a:solidFill>
+                  <a:srgbClr val="000000"/>
+                </a:solidFill>
+                <a:effectLst/>
+                <a:latin typeface="Arial Unicode MS"/>
+                <a:ea typeface="JetBrains Mono"/>
+              </a:rPr>
+              <a:t>@&gt; </a:t>
+            </a:r>
+            <a:r>
+              <a:rPr kumimoji="0" lang="zh-CN" altLang="zh-CN" sz="900" b="1" i="0" u="none" strike="noStrike" cap="none" normalizeH="0" baseline="0" dirty="0">
+                <a:ln>
+                  <a:noFill/>
+                </a:ln>
+                <a:solidFill>
+                  <a:srgbClr val="000080"/>
+                </a:solidFill>
+                <a:effectLst/>
+                <a:latin typeface="Arial Unicode MS"/>
+                <a:ea typeface="JetBrains Mono"/>
+              </a:rPr>
+              <a:t>array</a:t>
+            </a:r>
+            <a:r>
+              <a:rPr kumimoji="0" lang="zh-CN" altLang="zh-CN" sz="900" b="0" i="0" u="none" strike="noStrike" cap="none" normalizeH="0" baseline="0" dirty="0">
+                <a:ln>
+                  <a:noFill/>
+                </a:ln>
+                <a:solidFill>
+                  <a:srgbClr val="000000"/>
+                </a:solidFill>
+                <a:effectLst/>
+                <a:latin typeface="Arial Unicode MS"/>
+                <a:ea typeface="JetBrains Mono"/>
+              </a:rPr>
+              <a:t>[</a:t>
             </a:r>
             <a:r>
               <a:rPr kumimoji="0" lang="zh-CN" altLang="zh-CN" sz="900" b="0" i="1" u="none" strike="noStrike" cap="none" normalizeH="0" baseline="0" dirty="0">
@@ -8084,1935 +9615,55 @@
                   <a:noFill/>
                 </a:ln>
                 <a:solidFill>
-                  <a:srgbClr val="000000"/>
-                </a:solidFill>
-                <a:effectLst/>
-                <a:latin typeface="Arial Unicode MS"/>
-                <a:ea typeface="JetBrains Mono"/>
-              </a:rPr>
-              <a:t>unnest</a:t>
-            </a:r>
-            <a:r>
-              <a:rPr kumimoji="0" lang="zh-CN" altLang="zh-CN" sz="900" b="0" i="0" u="none" strike="noStrike" cap="none" normalizeH="0" baseline="0" dirty="0">
-                <a:ln>
-                  <a:noFill/>
-                </a:ln>
-                <a:solidFill>
-                  <a:srgbClr val="000000"/>
-                </a:solidFill>
-                <a:effectLst/>
-                <a:latin typeface="Arial Unicode MS"/>
-                <a:ea typeface="JetBrains Mono"/>
-              </a:rPr>
-              <a:t>(</a:t>
-            </a:r>
-            <a:r>
-              <a:rPr kumimoji="0" lang="zh-CN" altLang="zh-CN" sz="900" b="1" i="0" u="none" strike="noStrike" cap="none" normalizeH="0" baseline="0" dirty="0">
-                <a:ln>
-                  <a:noFill/>
-                </a:ln>
-                <a:solidFill>
-                  <a:srgbClr val="660E7A"/>
-                </a:solidFill>
-                <a:effectLst/>
-                <a:latin typeface="Arial Unicode MS"/>
-                <a:ea typeface="JetBrains Mono"/>
-              </a:rPr>
-              <a:t>week_list</a:t>
-            </a:r>
-            <a:r>
-              <a:rPr kumimoji="0" lang="zh-CN" altLang="zh-CN" sz="900" b="0" i="0" u="none" strike="noStrike" cap="none" normalizeH="0" baseline="0" dirty="0">
-                <a:ln>
-                  <a:noFill/>
-                </a:ln>
-                <a:solidFill>
-                  <a:srgbClr val="000000"/>
-                </a:solidFill>
-                <a:effectLst/>
-                <a:latin typeface="Arial Unicode MS"/>
-                <a:ea typeface="JetBrains Mono"/>
-              </a:rPr>
-              <a:t>)                              </a:t>
-            </a:r>
-            <a:r>
-              <a:rPr kumimoji="0" lang="zh-CN" altLang="zh-CN" sz="900" b="1" i="0" u="none" strike="noStrike" cap="none" normalizeH="0" baseline="0" dirty="0">
-                <a:ln>
-                  <a:noFill/>
-                </a:ln>
-                <a:solidFill>
-                  <a:srgbClr val="000080"/>
-                </a:solidFill>
-                <a:effectLst/>
-                <a:latin typeface="Arial Unicode MS"/>
-                <a:ea typeface="JetBrains Mono"/>
-              </a:rPr>
-              <a:t>as week</a:t>
-            </a:r>
-            <a:r>
-              <a:rPr kumimoji="0" lang="zh-CN" altLang="zh-CN" sz="900" b="0" i="0" u="none" strike="noStrike" cap="none" normalizeH="0" baseline="0" dirty="0">
-                <a:ln>
-                  <a:noFill/>
-                </a:ln>
-                <a:solidFill>
-                  <a:srgbClr val="000000"/>
-                </a:solidFill>
-                <a:effectLst/>
-                <a:latin typeface="Arial Unicode MS"/>
-                <a:ea typeface="JetBrains Mono"/>
-              </a:rPr>
-              <a:t>,</a:t>
-            </a:r>
-            <a:br>
-              <a:rPr kumimoji="0" lang="zh-CN" altLang="zh-CN" sz="900" b="0" i="0" u="none" strike="noStrike" cap="none" normalizeH="0" baseline="0" dirty="0">
-                <a:ln>
-                  <a:noFill/>
-                </a:ln>
-                <a:solidFill>
-                  <a:srgbClr val="000000"/>
-                </a:solidFill>
-                <a:effectLst/>
-                <a:latin typeface="Arial Unicode MS"/>
-                <a:ea typeface="JetBrains Mono"/>
-              </a:rPr>
-            </a:br>
-            <a:r>
-              <a:rPr kumimoji="0" lang="zh-CN" altLang="zh-CN" sz="900" b="0" i="0" u="none" strike="noStrike" cap="none" normalizeH="0" baseline="0" dirty="0">
-                <a:ln>
-                  <a:noFill/>
-                </a:ln>
-                <a:solidFill>
-                  <a:srgbClr val="000000"/>
-                </a:solidFill>
-                <a:effectLst/>
-                <a:latin typeface="Arial Unicode MS"/>
-                <a:ea typeface="JetBrains Mono"/>
-              </a:rPr>
-              <a:t>                              </a:t>
-            </a:r>
-            <a:r>
-              <a:rPr kumimoji="0" lang="zh-CN" altLang="zh-CN" sz="900" b="1" i="0" u="none" strike="noStrike" cap="none" normalizeH="0" baseline="0" dirty="0">
-                <a:ln>
-                  <a:noFill/>
-                </a:ln>
-                <a:solidFill>
-                  <a:srgbClr val="000080"/>
-                </a:solidFill>
-                <a:effectLst/>
-                <a:latin typeface="Arial Unicode MS"/>
-                <a:ea typeface="JetBrains Mono"/>
-              </a:rPr>
-              <a:t>c</a:t>
-            </a:r>
-            <a:r>
-              <a:rPr kumimoji="0" lang="zh-CN" altLang="zh-CN" sz="900" b="0" i="0" u="none" strike="noStrike" cap="none" normalizeH="0" baseline="0" dirty="0">
-                <a:ln>
-                  <a:noFill/>
-                </a:ln>
-                <a:solidFill>
-                  <a:srgbClr val="000000"/>
-                </a:solidFill>
-                <a:effectLst/>
-                <a:latin typeface="Arial Unicode MS"/>
-                <a:ea typeface="JetBrains Mono"/>
-              </a:rPr>
-              <a:t>.</a:t>
-            </a:r>
-            <a:r>
-              <a:rPr kumimoji="0" lang="zh-CN" altLang="zh-CN" sz="900" b="1" i="0" u="none" strike="noStrike" cap="none" normalizeH="0" baseline="0" dirty="0">
-                <a:ln>
-                  <a:noFill/>
-                </a:ln>
-                <a:solidFill>
-                  <a:srgbClr val="660E7A"/>
-                </a:solidFill>
-                <a:effectLst/>
-                <a:latin typeface="Arial Unicode MS"/>
-                <a:ea typeface="JetBrains Mono"/>
-              </a:rPr>
-              <a:t>day_of_week                                  </a:t>
-            </a:r>
-            <a:r>
-              <a:rPr kumimoji="0" lang="zh-CN" altLang="zh-CN" sz="900" b="1" i="0" u="none" strike="noStrike" cap="none" normalizeH="0" baseline="0" dirty="0">
-                <a:ln>
-                  <a:noFill/>
-                </a:ln>
-                <a:solidFill>
-                  <a:srgbClr val="000080"/>
-                </a:solidFill>
-                <a:effectLst/>
-                <a:latin typeface="Arial Unicode MS"/>
-                <a:ea typeface="JetBrains Mono"/>
-              </a:rPr>
-              <a:t>as day</a:t>
-            </a:r>
-            <a:r>
-              <a:rPr kumimoji="0" lang="zh-CN" altLang="zh-CN" sz="900" b="0" i="0" u="none" strike="noStrike" cap="none" normalizeH="0" baseline="0" dirty="0">
-                <a:ln>
-                  <a:noFill/>
-                </a:ln>
-                <a:solidFill>
-                  <a:srgbClr val="000000"/>
-                </a:solidFill>
-                <a:effectLst/>
-                <a:latin typeface="Arial Unicode MS"/>
-                <a:ea typeface="JetBrains Mono"/>
-              </a:rPr>
-              <a:t>,</a:t>
-            </a:r>
-            <a:br>
-              <a:rPr kumimoji="0" lang="zh-CN" altLang="zh-CN" sz="900" b="0" i="0" u="none" strike="noStrike" cap="none" normalizeH="0" baseline="0" dirty="0">
-                <a:ln>
-                  <a:noFill/>
-                </a:ln>
-                <a:solidFill>
-                  <a:srgbClr val="000000"/>
-                </a:solidFill>
-                <a:effectLst/>
-                <a:latin typeface="Arial Unicode MS"/>
-                <a:ea typeface="JetBrains Mono"/>
-              </a:rPr>
-            </a:br>
-            <a:r>
-              <a:rPr kumimoji="0" lang="zh-CN" altLang="zh-CN" sz="900" b="0" i="0" u="none" strike="noStrike" cap="none" normalizeH="0" baseline="0" dirty="0">
-                <a:ln>
-                  <a:noFill/>
-                </a:ln>
-                <a:solidFill>
-                  <a:srgbClr val="000000"/>
-                </a:solidFill>
-                <a:effectLst/>
-                <a:latin typeface="Arial Unicode MS"/>
-                <a:ea typeface="JetBrains Mono"/>
-              </a:rPr>
-              <a:t>                              c2.</a:t>
-            </a:r>
-            <a:r>
-              <a:rPr kumimoji="0" lang="zh-CN" altLang="zh-CN" sz="900" b="1" i="0" u="none" strike="noStrike" cap="none" normalizeH="0" baseline="0" dirty="0">
-                <a:ln>
-                  <a:noFill/>
-                </a:ln>
-                <a:solidFill>
-                  <a:srgbClr val="660E7A"/>
-                </a:solidFill>
-                <a:effectLst/>
-                <a:latin typeface="Arial Unicode MS"/>
-                <a:ea typeface="JetBrains Mono"/>
-              </a:rPr>
-              <a:t>course_name </a:t>
-            </a:r>
-            <a:r>
-              <a:rPr kumimoji="0" lang="zh-CN" altLang="zh-CN" sz="900" b="0" i="0" u="none" strike="noStrike" cap="none" normalizeH="0" baseline="0" dirty="0">
-                <a:ln>
-                  <a:noFill/>
-                </a:ln>
-                <a:solidFill>
-                  <a:srgbClr val="000000"/>
-                </a:solidFill>
-                <a:effectLst/>
-                <a:latin typeface="Arial Unicode MS"/>
-                <a:ea typeface="JetBrains Mono"/>
-              </a:rPr>
-              <a:t>|| </a:t>
-            </a:r>
-            <a:r>
-              <a:rPr kumimoji="0" lang="zh-CN" altLang="zh-CN" sz="900" b="1" i="0" u="none" strike="noStrike" cap="none" normalizeH="0" baseline="0" dirty="0">
-                <a:ln>
-                  <a:noFill/>
-                </a:ln>
-                <a:solidFill>
-                  <a:srgbClr val="008000"/>
-                </a:solidFill>
-                <a:effectLst/>
-                <a:latin typeface="Arial Unicode MS"/>
-                <a:ea typeface="JetBrains Mono"/>
-              </a:rPr>
-              <a:t>'[' </a:t>
-            </a:r>
-            <a:r>
-              <a:rPr kumimoji="0" lang="zh-CN" altLang="zh-CN" sz="900" b="0" i="0" u="none" strike="noStrike" cap="none" normalizeH="0" baseline="0" dirty="0">
-                <a:ln>
-                  <a:noFill/>
-                </a:ln>
-                <a:solidFill>
-                  <a:srgbClr val="000000"/>
-                </a:solidFill>
-                <a:effectLst/>
-                <a:latin typeface="Arial Unicode MS"/>
-                <a:ea typeface="JetBrains Mono"/>
-              </a:rPr>
-              <a:t>|| </a:t>
-            </a:r>
-            <a:r>
-              <a:rPr kumimoji="0" lang="zh-CN" altLang="zh-CN" sz="900" b="1" i="0" u="none" strike="noStrike" cap="none" normalizeH="0" baseline="0" dirty="0">
-                <a:ln>
-                  <a:noFill/>
-                </a:ln>
-                <a:solidFill>
-                  <a:srgbClr val="000080"/>
-                </a:solidFill>
-                <a:effectLst/>
-                <a:latin typeface="Arial Unicode MS"/>
-                <a:ea typeface="JetBrains Mono"/>
-              </a:rPr>
-              <a:t>s</a:t>
-            </a:r>
-            <a:r>
-              <a:rPr kumimoji="0" lang="zh-CN" altLang="zh-CN" sz="900" b="0" i="0" u="none" strike="noStrike" cap="none" normalizeH="0" baseline="0" dirty="0">
-                <a:ln>
-                  <a:noFill/>
-                </a:ln>
-                <a:solidFill>
-                  <a:srgbClr val="000000"/>
-                </a:solidFill>
-                <a:effectLst/>
-                <a:latin typeface="Arial Unicode MS"/>
-                <a:ea typeface="JetBrains Mono"/>
-              </a:rPr>
-              <a:t>.</a:t>
-            </a:r>
-            <a:r>
-              <a:rPr kumimoji="0" lang="zh-CN" altLang="zh-CN" sz="900" b="1" i="0" u="none" strike="noStrike" cap="none" normalizeH="0" baseline="0" dirty="0">
-                <a:ln>
-                  <a:noFill/>
-                </a:ln>
-                <a:solidFill>
-                  <a:srgbClr val="660E7A"/>
-                </a:solidFill>
-                <a:effectLst/>
-                <a:latin typeface="Arial Unicode MS"/>
-                <a:ea typeface="JetBrains Mono"/>
-              </a:rPr>
-              <a:t>section_name </a:t>
-            </a:r>
-            <a:r>
-              <a:rPr kumimoji="0" lang="zh-CN" altLang="zh-CN" sz="900" b="0" i="0" u="none" strike="noStrike" cap="none" normalizeH="0" baseline="0" dirty="0">
-                <a:ln>
-                  <a:noFill/>
-                </a:ln>
-                <a:solidFill>
-                  <a:srgbClr val="000000"/>
-                </a:solidFill>
-                <a:effectLst/>
-                <a:latin typeface="Arial Unicode MS"/>
-                <a:ea typeface="JetBrains Mono"/>
-              </a:rPr>
-              <a:t>|| </a:t>
-            </a:r>
-            <a:r>
-              <a:rPr kumimoji="0" lang="zh-CN" altLang="zh-CN" sz="900" b="1" i="0" u="none" strike="noStrike" cap="none" normalizeH="0" baseline="0" dirty="0">
-                <a:ln>
-                  <a:noFill/>
-                </a:ln>
-                <a:solidFill>
-                  <a:srgbClr val="008000"/>
-                </a:solidFill>
-                <a:effectLst/>
-                <a:latin typeface="Arial Unicode MS"/>
-                <a:ea typeface="JetBrains Mono"/>
-              </a:rPr>
-              <a:t>']' </a:t>
-            </a:r>
-            <a:r>
-              <a:rPr kumimoji="0" lang="zh-CN" altLang="zh-CN" sz="900" b="1" i="0" u="none" strike="noStrike" cap="none" normalizeH="0" baseline="0" dirty="0">
-                <a:ln>
-                  <a:noFill/>
-                </a:ln>
-                <a:solidFill>
-                  <a:srgbClr val="000080"/>
-                </a:solidFill>
-                <a:effectLst/>
-                <a:latin typeface="Arial Unicode MS"/>
-                <a:ea typeface="JetBrains Mono"/>
-              </a:rPr>
-              <a:t>as </a:t>
-            </a:r>
-            <a:r>
-              <a:rPr kumimoji="0" lang="zh-CN" altLang="zh-CN" sz="900" b="0" i="0" u="none" strike="noStrike" cap="none" normalizeH="0" baseline="0" dirty="0">
-                <a:ln>
-                  <a:noFill/>
-                </a:ln>
-                <a:solidFill>
-                  <a:srgbClr val="000000"/>
-                </a:solidFill>
-                <a:effectLst/>
-                <a:latin typeface="Arial Unicode MS"/>
-                <a:ea typeface="JetBrains Mono"/>
-              </a:rPr>
-              <a:t>class_name,</a:t>
-            </a:r>
-            <a:br>
-              <a:rPr kumimoji="0" lang="zh-CN" altLang="zh-CN" sz="900" b="0" i="0" u="none" strike="noStrike" cap="none" normalizeH="0" baseline="0" dirty="0">
-                <a:ln>
-                  <a:noFill/>
-                </a:ln>
-                <a:solidFill>
-                  <a:srgbClr val="000000"/>
-                </a:solidFill>
-                <a:effectLst/>
-                <a:latin typeface="Arial Unicode MS"/>
-                <a:ea typeface="JetBrains Mono"/>
-              </a:rPr>
-            </a:br>
-            <a:r>
-              <a:rPr kumimoji="0" lang="zh-CN" altLang="zh-CN" sz="900" b="0" i="0" u="none" strike="noStrike" cap="none" normalizeH="0" baseline="0" dirty="0">
-                <a:ln>
-                  <a:noFill/>
-                </a:ln>
-                <a:solidFill>
-                  <a:srgbClr val="000000"/>
-                </a:solidFill>
-                <a:effectLst/>
-                <a:latin typeface="Arial Unicode MS"/>
-                <a:ea typeface="JetBrains Mono"/>
-              </a:rPr>
-              <a:t>                              </a:t>
-            </a:r>
-            <a:r>
-              <a:rPr kumimoji="0" lang="zh-CN" altLang="zh-CN" sz="900" b="1" i="0" u="none" strike="noStrike" cap="none" normalizeH="0" baseline="0" dirty="0">
-                <a:ln>
-                  <a:noFill/>
-                </a:ln>
-                <a:solidFill>
-                  <a:srgbClr val="000080"/>
-                </a:solidFill>
-                <a:effectLst/>
-                <a:latin typeface="Arial Unicode MS"/>
-                <a:ea typeface="JetBrains Mono"/>
-              </a:rPr>
-              <a:t>c</a:t>
-            </a:r>
-            <a:r>
-              <a:rPr kumimoji="0" lang="zh-CN" altLang="zh-CN" sz="900" b="0" i="0" u="none" strike="noStrike" cap="none" normalizeH="0" baseline="0" dirty="0">
-                <a:ln>
-                  <a:noFill/>
-                </a:ln>
-                <a:solidFill>
-                  <a:srgbClr val="000000"/>
-                </a:solidFill>
-                <a:effectLst/>
-                <a:latin typeface="Arial Unicode MS"/>
-                <a:ea typeface="JetBrains Mono"/>
-              </a:rPr>
-              <a:t>.</a:t>
-            </a:r>
-            <a:r>
-              <a:rPr kumimoji="0" lang="zh-CN" altLang="zh-CN" sz="900" b="1" i="0" u="none" strike="noStrike" cap="none" normalizeH="0" baseline="0" dirty="0">
-                <a:ln>
-                  <a:noFill/>
-                </a:ln>
-                <a:solidFill>
-                  <a:srgbClr val="660E7A"/>
-                </a:solidFill>
-                <a:effectLst/>
-                <a:latin typeface="Arial Unicode MS"/>
-                <a:ea typeface="JetBrains Mono"/>
-              </a:rPr>
-              <a:t>instructor_id                                </a:t>
-            </a:r>
-            <a:r>
-              <a:rPr kumimoji="0" lang="zh-CN" altLang="zh-CN" sz="900" b="1" i="0" u="none" strike="noStrike" cap="none" normalizeH="0" baseline="0" dirty="0">
-                <a:ln>
-                  <a:noFill/>
-                </a:ln>
-                <a:solidFill>
-                  <a:srgbClr val="000080"/>
-                </a:solidFill>
-                <a:effectLst/>
-                <a:latin typeface="Arial Unicode MS"/>
-                <a:ea typeface="JetBrains Mono"/>
-              </a:rPr>
-              <a:t>as </a:t>
-            </a:r>
-            <a:r>
-              <a:rPr kumimoji="0" lang="zh-CN" altLang="zh-CN" sz="900" b="0" i="0" u="none" strike="noStrike" cap="none" normalizeH="0" baseline="0" dirty="0">
-                <a:ln>
-                  <a:noFill/>
-                </a:ln>
-                <a:solidFill>
-                  <a:srgbClr val="000000"/>
-                </a:solidFill>
-                <a:effectLst/>
-                <a:latin typeface="Arial Unicode MS"/>
-                <a:ea typeface="JetBrains Mono"/>
-              </a:rPr>
-              <a:t>instructor_id,</a:t>
-            </a:r>
-            <a:br>
-              <a:rPr kumimoji="0" lang="zh-CN" altLang="zh-CN" sz="900" b="0" i="0" u="none" strike="noStrike" cap="none" normalizeH="0" baseline="0" dirty="0">
-                <a:ln>
-                  <a:noFill/>
-                </a:ln>
-                <a:solidFill>
-                  <a:srgbClr val="000000"/>
-                </a:solidFill>
-                <a:effectLst/>
-                <a:latin typeface="Arial Unicode MS"/>
-                <a:ea typeface="JetBrains Mono"/>
-              </a:rPr>
-            </a:br>
-            <a:r>
-              <a:rPr kumimoji="0" lang="zh-CN" altLang="zh-CN" sz="900" b="0" i="0" u="none" strike="noStrike" cap="none" normalizeH="0" baseline="0" dirty="0">
-                <a:ln>
-                  <a:noFill/>
-                </a:ln>
-                <a:solidFill>
-                  <a:srgbClr val="000000"/>
-                </a:solidFill>
-                <a:effectLst/>
-                <a:latin typeface="Arial Unicode MS"/>
-                <a:ea typeface="JetBrains Mono"/>
-              </a:rPr>
-              <a:t>                              u.</a:t>
-            </a:r>
-            <a:r>
-              <a:rPr kumimoji="0" lang="zh-CN" altLang="zh-CN" sz="900" b="1" i="0" u="none" strike="noStrike" cap="none" normalizeH="0" baseline="0" dirty="0">
-                <a:ln>
-                  <a:noFill/>
-                </a:ln>
-                <a:solidFill>
-                  <a:srgbClr val="660E7A"/>
-                </a:solidFill>
-                <a:effectLst/>
-                <a:latin typeface="Arial Unicode MS"/>
-                <a:ea typeface="JetBrains Mono"/>
-              </a:rPr>
-              <a:t>full_name                                    </a:t>
-            </a:r>
-            <a:r>
-              <a:rPr kumimoji="0" lang="zh-CN" altLang="zh-CN" sz="900" b="1" i="0" u="none" strike="noStrike" cap="none" normalizeH="0" baseline="0" dirty="0">
-                <a:ln>
-                  <a:noFill/>
-                </a:ln>
-                <a:solidFill>
-                  <a:srgbClr val="000080"/>
-                </a:solidFill>
-                <a:effectLst/>
-                <a:latin typeface="Arial Unicode MS"/>
-                <a:ea typeface="JetBrains Mono"/>
-              </a:rPr>
-              <a:t>as </a:t>
-            </a:r>
-            <a:r>
-              <a:rPr kumimoji="0" lang="zh-CN" altLang="zh-CN" sz="900" b="0" i="0" u="none" strike="noStrike" cap="none" normalizeH="0" baseline="0" dirty="0">
-                <a:ln>
-                  <a:noFill/>
-                </a:ln>
-                <a:solidFill>
-                  <a:srgbClr val="000000"/>
-                </a:solidFill>
-                <a:effectLst/>
-                <a:latin typeface="Arial Unicode MS"/>
-                <a:ea typeface="JetBrains Mono"/>
-              </a:rPr>
-              <a:t>instructor_full_name,</a:t>
-            </a:r>
-            <a:br>
-              <a:rPr kumimoji="0" lang="zh-CN" altLang="zh-CN" sz="900" b="0" i="0" u="none" strike="noStrike" cap="none" normalizeH="0" baseline="0" dirty="0">
-                <a:ln>
-                  <a:noFill/>
-                </a:ln>
-                <a:solidFill>
-                  <a:srgbClr val="000000"/>
-                </a:solidFill>
-                <a:effectLst/>
-                <a:latin typeface="Arial Unicode MS"/>
-                <a:ea typeface="JetBrains Mono"/>
-              </a:rPr>
-            </a:br>
-            <a:r>
-              <a:rPr kumimoji="0" lang="zh-CN" altLang="zh-CN" sz="900" b="0" i="0" u="none" strike="noStrike" cap="none" normalizeH="0" baseline="0" dirty="0">
-                <a:ln>
-                  <a:noFill/>
-                </a:ln>
-                <a:solidFill>
-                  <a:srgbClr val="000000"/>
-                </a:solidFill>
-                <a:effectLst/>
-                <a:latin typeface="Arial Unicode MS"/>
-                <a:ea typeface="JetBrains Mono"/>
-              </a:rPr>
-              <a:t>                              </a:t>
-            </a:r>
-            <a:r>
-              <a:rPr kumimoji="0" lang="zh-CN" altLang="zh-CN" sz="900" b="1" i="0" u="none" strike="noStrike" cap="none" normalizeH="0" baseline="0" dirty="0">
-                <a:ln>
-                  <a:noFill/>
-                </a:ln>
-                <a:solidFill>
-                  <a:srgbClr val="000080"/>
-                </a:solidFill>
-                <a:effectLst/>
-                <a:latin typeface="Arial Unicode MS"/>
-                <a:ea typeface="JetBrains Mono"/>
-              </a:rPr>
-              <a:t>c</a:t>
-            </a:r>
-            <a:r>
-              <a:rPr kumimoji="0" lang="zh-CN" altLang="zh-CN" sz="900" b="0" i="0" u="none" strike="noStrike" cap="none" normalizeH="0" baseline="0" dirty="0">
-                <a:ln>
-                  <a:noFill/>
-                </a:ln>
-                <a:solidFill>
-                  <a:srgbClr val="000000"/>
-                </a:solidFill>
-                <a:effectLst/>
-                <a:latin typeface="Arial Unicode MS"/>
-                <a:ea typeface="JetBrains Mono"/>
-              </a:rPr>
-              <a:t>.</a:t>
-            </a:r>
-            <a:r>
-              <a:rPr kumimoji="0" lang="zh-CN" altLang="zh-CN" sz="900" b="1" i="0" u="none" strike="noStrike" cap="none" normalizeH="0" baseline="0" dirty="0">
-                <a:ln>
-                  <a:noFill/>
-                </a:ln>
-                <a:solidFill>
-                  <a:srgbClr val="660E7A"/>
-                </a:solidFill>
-                <a:effectLst/>
-                <a:latin typeface="Arial Unicode MS"/>
-                <a:ea typeface="JetBrains Mono"/>
-              </a:rPr>
-              <a:t>class_start                                  </a:t>
-            </a:r>
-            <a:r>
-              <a:rPr kumimoji="0" lang="zh-CN" altLang="zh-CN" sz="900" b="1" i="0" u="none" strike="noStrike" cap="none" normalizeH="0" baseline="0" dirty="0">
-                <a:ln>
-                  <a:noFill/>
-                </a:ln>
-                <a:solidFill>
-                  <a:srgbClr val="000080"/>
-                </a:solidFill>
-                <a:effectLst/>
-                <a:latin typeface="Arial Unicode MS"/>
-                <a:ea typeface="JetBrains Mono"/>
-              </a:rPr>
-              <a:t>as </a:t>
-            </a:r>
-            <a:r>
-              <a:rPr kumimoji="0" lang="zh-CN" altLang="zh-CN" sz="900" b="0" i="0" u="none" strike="noStrike" cap="none" normalizeH="0" baseline="0" dirty="0">
-                <a:ln>
-                  <a:noFill/>
-                </a:ln>
-                <a:solidFill>
-                  <a:srgbClr val="000000"/>
-                </a:solidFill>
-                <a:effectLst/>
-                <a:latin typeface="Arial Unicode MS"/>
-                <a:ea typeface="JetBrains Mono"/>
-              </a:rPr>
-              <a:t>class_begin,</a:t>
-            </a:r>
-            <a:br>
-              <a:rPr kumimoji="0" lang="zh-CN" altLang="zh-CN" sz="900" b="0" i="0" u="none" strike="noStrike" cap="none" normalizeH="0" baseline="0" dirty="0">
-                <a:ln>
-                  <a:noFill/>
-                </a:ln>
-                <a:solidFill>
-                  <a:srgbClr val="000000"/>
-                </a:solidFill>
-                <a:effectLst/>
-                <a:latin typeface="Arial Unicode MS"/>
-                <a:ea typeface="JetBrains Mono"/>
-              </a:rPr>
-            </a:br>
-            <a:r>
-              <a:rPr kumimoji="0" lang="zh-CN" altLang="zh-CN" sz="900" b="0" i="0" u="none" strike="noStrike" cap="none" normalizeH="0" baseline="0" dirty="0">
-                <a:ln>
-                  <a:noFill/>
-                </a:ln>
-                <a:solidFill>
-                  <a:srgbClr val="000000"/>
-                </a:solidFill>
-                <a:effectLst/>
-                <a:latin typeface="Arial Unicode MS"/>
-                <a:ea typeface="JetBrains Mono"/>
-              </a:rPr>
-              <a:t>                              </a:t>
-            </a:r>
-            <a:r>
-              <a:rPr kumimoji="0" lang="zh-CN" altLang="zh-CN" sz="900" b="1" i="0" u="none" strike="noStrike" cap="none" normalizeH="0" baseline="0" dirty="0">
-                <a:ln>
-                  <a:noFill/>
-                </a:ln>
-                <a:solidFill>
-                  <a:srgbClr val="000080"/>
-                </a:solidFill>
-                <a:effectLst/>
-                <a:latin typeface="Arial Unicode MS"/>
-                <a:ea typeface="JetBrains Mono"/>
-              </a:rPr>
-              <a:t>c</a:t>
-            </a:r>
-            <a:r>
-              <a:rPr kumimoji="0" lang="zh-CN" altLang="zh-CN" sz="900" b="0" i="0" u="none" strike="noStrike" cap="none" normalizeH="0" baseline="0" dirty="0">
-                <a:ln>
-                  <a:noFill/>
-                </a:ln>
-                <a:solidFill>
-                  <a:srgbClr val="000000"/>
-                </a:solidFill>
-                <a:effectLst/>
-                <a:latin typeface="Arial Unicode MS"/>
-                <a:ea typeface="JetBrains Mono"/>
-              </a:rPr>
-              <a:t>.</a:t>
-            </a:r>
-            <a:r>
-              <a:rPr kumimoji="0" lang="zh-CN" altLang="zh-CN" sz="900" b="1" i="0" u="none" strike="noStrike" cap="none" normalizeH="0" baseline="0" dirty="0">
-                <a:ln>
-                  <a:noFill/>
-                </a:ln>
-                <a:solidFill>
-                  <a:srgbClr val="660E7A"/>
-                </a:solidFill>
-                <a:effectLst/>
-                <a:latin typeface="Arial Unicode MS"/>
-                <a:ea typeface="JetBrains Mono"/>
-              </a:rPr>
-              <a:t>class_end                                    </a:t>
-            </a:r>
-            <a:r>
-              <a:rPr kumimoji="0" lang="zh-CN" altLang="zh-CN" sz="900" b="1" i="0" u="none" strike="noStrike" cap="none" normalizeH="0" baseline="0" dirty="0">
-                <a:ln>
-                  <a:noFill/>
-                </a:ln>
-                <a:solidFill>
-                  <a:srgbClr val="000080"/>
-                </a:solidFill>
-                <a:effectLst/>
-                <a:latin typeface="Arial Unicode MS"/>
-                <a:ea typeface="JetBrains Mono"/>
-              </a:rPr>
-              <a:t>as </a:t>
-            </a:r>
-            <a:r>
-              <a:rPr kumimoji="0" lang="zh-CN" altLang="zh-CN" sz="900" b="0" i="0" u="none" strike="noStrike" cap="none" normalizeH="0" baseline="0" dirty="0">
-                <a:ln>
-                  <a:noFill/>
-                </a:ln>
-                <a:solidFill>
-                  <a:srgbClr val="000000"/>
-                </a:solidFill>
-                <a:effectLst/>
-                <a:latin typeface="Arial Unicode MS"/>
-                <a:ea typeface="JetBrains Mono"/>
-              </a:rPr>
-              <a:t>class_end,</a:t>
-            </a:r>
-            <a:br>
-              <a:rPr kumimoji="0" lang="zh-CN" altLang="zh-CN" sz="900" b="0" i="0" u="none" strike="noStrike" cap="none" normalizeH="0" baseline="0" dirty="0">
-                <a:ln>
-                  <a:noFill/>
-                </a:ln>
-                <a:solidFill>
-                  <a:srgbClr val="000000"/>
-                </a:solidFill>
-                <a:effectLst/>
-                <a:latin typeface="Arial Unicode MS"/>
-                <a:ea typeface="JetBrains Mono"/>
-              </a:rPr>
-            </a:br>
-            <a:r>
-              <a:rPr kumimoji="0" lang="zh-CN" altLang="zh-CN" sz="900" b="0" i="0" u="none" strike="noStrike" cap="none" normalizeH="0" baseline="0" dirty="0">
-                <a:ln>
-                  <a:noFill/>
-                </a:ln>
-                <a:solidFill>
-                  <a:srgbClr val="000000"/>
-                </a:solidFill>
-                <a:effectLst/>
-                <a:latin typeface="Arial Unicode MS"/>
-                <a:ea typeface="JetBrains Mono"/>
-              </a:rPr>
-              <a:t>                              </a:t>
-            </a:r>
-            <a:r>
-              <a:rPr kumimoji="0" lang="zh-CN" altLang="zh-CN" sz="900" b="1" i="0" u="none" strike="noStrike" cap="none" normalizeH="0" baseline="0" dirty="0">
-                <a:ln>
-                  <a:noFill/>
-                </a:ln>
-                <a:solidFill>
-                  <a:srgbClr val="000080"/>
-                </a:solidFill>
-                <a:effectLst/>
-                <a:latin typeface="Arial Unicode MS"/>
-                <a:ea typeface="JetBrains Mono"/>
-              </a:rPr>
-              <a:t>c</a:t>
-            </a:r>
-            <a:r>
-              <a:rPr kumimoji="0" lang="zh-CN" altLang="zh-CN" sz="900" b="0" i="0" u="none" strike="noStrike" cap="none" normalizeH="0" baseline="0" dirty="0">
-                <a:ln>
-                  <a:noFill/>
-                </a:ln>
-                <a:solidFill>
-                  <a:srgbClr val="000000"/>
-                </a:solidFill>
-                <a:effectLst/>
-                <a:latin typeface="Arial Unicode MS"/>
-                <a:ea typeface="JetBrains Mono"/>
-              </a:rPr>
-              <a:t>.</a:t>
-            </a:r>
-            <a:r>
-              <a:rPr kumimoji="0" lang="zh-CN" altLang="zh-CN" sz="900" b="1" i="0" u="none" strike="noStrike" cap="none" normalizeH="0" baseline="0" dirty="0">
-                <a:ln>
-                  <a:noFill/>
-                </a:ln>
-                <a:solidFill>
-                  <a:srgbClr val="660E7A"/>
-                </a:solidFill>
-                <a:effectLst/>
-                <a:latin typeface="Arial Unicode MS"/>
-                <a:ea typeface="JetBrains Mono"/>
-              </a:rPr>
-              <a:t>location                                     </a:t>
-            </a:r>
-            <a:r>
-              <a:rPr kumimoji="0" lang="zh-CN" altLang="zh-CN" sz="900" b="1" i="0" u="none" strike="noStrike" cap="none" normalizeH="0" baseline="0" dirty="0">
-                <a:ln>
-                  <a:noFill/>
-                </a:ln>
-                <a:solidFill>
-                  <a:srgbClr val="000080"/>
-                </a:solidFill>
-                <a:effectLst/>
-                <a:latin typeface="Arial Unicode MS"/>
-                <a:ea typeface="JetBrains Mono"/>
-              </a:rPr>
-              <a:t>as location</a:t>
-            </a:r>
-            <a:br>
-              <a:rPr kumimoji="0" lang="zh-CN" altLang="zh-CN" sz="900" b="1" i="0" u="none" strike="noStrike" cap="none" normalizeH="0" baseline="0" dirty="0">
-                <a:ln>
-                  <a:noFill/>
-                </a:ln>
-                <a:solidFill>
-                  <a:srgbClr val="000080"/>
-                </a:solidFill>
-                <a:effectLst/>
-                <a:latin typeface="Arial Unicode MS"/>
-                <a:ea typeface="JetBrains Mono"/>
-              </a:rPr>
-            </a:br>
-            <a:r>
-              <a:rPr kumimoji="0" lang="zh-CN" altLang="zh-CN" sz="900" b="1" i="0" u="none" strike="noStrike" cap="none" normalizeH="0" baseline="0" dirty="0">
-                <a:ln>
-                  <a:noFill/>
-                </a:ln>
-                <a:solidFill>
-                  <a:srgbClr val="000080"/>
-                </a:solidFill>
-                <a:effectLst/>
-                <a:latin typeface="Arial Unicode MS"/>
-                <a:ea typeface="JetBrains Mono"/>
-              </a:rPr>
-              <a:t>                       from </a:t>
-            </a:r>
-            <a:r>
-              <a:rPr kumimoji="0" lang="zh-CN" altLang="zh-CN" sz="900" b="0" i="0" u="none" strike="noStrike" cap="none" normalizeH="0" baseline="0" dirty="0">
-                <a:ln>
-                  <a:noFill/>
-                </a:ln>
-                <a:solidFill>
-                  <a:srgbClr val="000000"/>
-                </a:solidFill>
-                <a:effectLst/>
-                <a:latin typeface="Arial Unicode MS"/>
-                <a:ea typeface="JetBrains Mono"/>
-              </a:rPr>
-              <a:t>temp_sections</a:t>
-            </a:r>
-            <a:br>
-              <a:rPr kumimoji="0" lang="zh-CN" altLang="zh-CN" sz="900" b="0" i="0" u="none" strike="noStrike" cap="none" normalizeH="0" baseline="0" dirty="0">
-                <a:ln>
-                  <a:noFill/>
-                </a:ln>
-                <a:solidFill>
-                  <a:srgbClr val="000000"/>
-                </a:solidFill>
-                <a:effectLst/>
-                <a:latin typeface="Arial Unicode MS"/>
-                <a:ea typeface="JetBrains Mono"/>
-              </a:rPr>
-            </a:br>
-            <a:r>
-              <a:rPr kumimoji="0" lang="zh-CN" altLang="zh-CN" sz="900" b="0" i="0" u="none" strike="noStrike" cap="none" normalizeH="0" baseline="0" dirty="0">
-                <a:ln>
-                  <a:noFill/>
-                </a:ln>
-                <a:solidFill>
-                  <a:srgbClr val="000000"/>
-                </a:solidFill>
-                <a:effectLst/>
-                <a:latin typeface="Arial Unicode MS"/>
-                <a:ea typeface="JetBrains Mono"/>
-              </a:rPr>
-              <a:t>                                </a:t>
-            </a:r>
-            <a:r>
-              <a:rPr kumimoji="0" lang="zh-CN" altLang="zh-CN" sz="900" b="1" i="0" u="none" strike="noStrike" cap="none" normalizeH="0" baseline="0" dirty="0">
-                <a:ln>
-                  <a:noFill/>
-                </a:ln>
-                <a:solidFill>
-                  <a:srgbClr val="000080"/>
-                </a:solidFill>
-                <a:effectLst/>
-                <a:latin typeface="Arial Unicode MS"/>
-                <a:ea typeface="JetBrains Mono"/>
-              </a:rPr>
-              <a:t>join </a:t>
-            </a:r>
-            <a:r>
-              <a:rPr kumimoji="0" lang="zh-CN" altLang="zh-CN" sz="900" b="0" i="0" u="none" strike="noStrike" cap="none" normalizeH="0" baseline="0" dirty="0">
-                <a:ln>
-                  <a:noFill/>
-                </a:ln>
-                <a:solidFill>
-                  <a:srgbClr val="000000"/>
-                </a:solidFill>
-                <a:effectLst/>
-                <a:latin typeface="Arial Unicode MS"/>
-                <a:ea typeface="JetBrains Mono"/>
-              </a:rPr>
-              <a:t>section </a:t>
-            </a:r>
-            <a:r>
-              <a:rPr kumimoji="0" lang="zh-CN" altLang="zh-CN" sz="900" b="1" i="0" u="none" strike="noStrike" cap="none" normalizeH="0" baseline="0" dirty="0">
-                <a:ln>
-                  <a:noFill/>
-                </a:ln>
-                <a:solidFill>
-                  <a:srgbClr val="000080"/>
-                </a:solidFill>
-                <a:effectLst/>
-                <a:latin typeface="Arial Unicode MS"/>
-                <a:ea typeface="JetBrains Mono"/>
-              </a:rPr>
-              <a:t>s on </a:t>
-            </a:r>
-            <a:r>
-              <a:rPr kumimoji="0" lang="zh-CN" altLang="zh-CN" sz="900" b="1" i="0" u="none" strike="noStrike" cap="none" normalizeH="0" baseline="0" dirty="0">
-                <a:ln>
-                  <a:noFill/>
-                </a:ln>
-                <a:solidFill>
-                  <a:srgbClr val="660E7A"/>
-                </a:solidFill>
-                <a:effectLst/>
-                <a:latin typeface="Arial Unicode MS"/>
-                <a:ea typeface="JetBrains Mono"/>
-              </a:rPr>
-              <a:t>section_id </a:t>
-            </a:r>
-            <a:r>
-              <a:rPr kumimoji="0" lang="zh-CN" altLang="zh-CN" sz="900" b="0" i="0" u="none" strike="noStrike" cap="none" normalizeH="0" baseline="0" dirty="0">
-                <a:ln>
-                  <a:noFill/>
-                </a:ln>
-                <a:solidFill>
-                  <a:srgbClr val="000000"/>
-                </a:solidFill>
-                <a:effectLst/>
-                <a:latin typeface="Arial Unicode MS"/>
-                <a:ea typeface="JetBrains Mono"/>
-              </a:rPr>
-              <a:t>= </a:t>
-            </a:r>
-            <a:r>
-              <a:rPr kumimoji="0" lang="zh-CN" altLang="zh-CN" sz="900" b="1" i="0" u="none" strike="noStrike" cap="none" normalizeH="0" baseline="0" dirty="0">
-                <a:ln>
-                  <a:noFill/>
-                </a:ln>
-                <a:solidFill>
-                  <a:srgbClr val="000080"/>
-                </a:solidFill>
-                <a:effectLst/>
-                <a:latin typeface="Arial Unicode MS"/>
-                <a:ea typeface="JetBrains Mono"/>
-              </a:rPr>
-              <a:t>s</a:t>
-            </a:r>
-            <a:r>
-              <a:rPr kumimoji="0" lang="zh-CN" altLang="zh-CN" sz="900" b="0" i="0" u="none" strike="noStrike" cap="none" normalizeH="0" baseline="0" dirty="0">
-                <a:ln>
-                  <a:noFill/>
-                </a:ln>
-                <a:solidFill>
-                  <a:srgbClr val="000000"/>
-                </a:solidFill>
-                <a:effectLst/>
-                <a:latin typeface="Arial Unicode MS"/>
-                <a:ea typeface="JetBrains Mono"/>
-              </a:rPr>
-              <a:t>.</a:t>
-            </a:r>
-            <a:r>
-              <a:rPr kumimoji="0" lang="zh-CN" altLang="zh-CN" sz="900" b="1" i="0" u="none" strike="noStrike" cap="none" normalizeH="0" baseline="0" dirty="0">
-                <a:ln>
-                  <a:noFill/>
-                </a:ln>
-                <a:solidFill>
-                  <a:srgbClr val="660E7A"/>
-                </a:solidFill>
-                <a:effectLst/>
-                <a:latin typeface="Arial Unicode MS"/>
-                <a:ea typeface="JetBrains Mono"/>
-              </a:rPr>
-              <a:t>id</a:t>
-            </a:r>
-            <a:br>
-              <a:rPr kumimoji="0" lang="zh-CN" altLang="zh-CN" sz="900" b="1" i="0" u="none" strike="noStrike" cap="none" normalizeH="0" baseline="0" dirty="0">
-                <a:ln>
-                  <a:noFill/>
-                </a:ln>
-                <a:solidFill>
-                  <a:srgbClr val="660E7A"/>
-                </a:solidFill>
-                <a:effectLst/>
-                <a:latin typeface="Arial Unicode MS"/>
-                <a:ea typeface="JetBrains Mono"/>
-              </a:rPr>
-            </a:br>
-            <a:r>
-              <a:rPr kumimoji="0" lang="zh-CN" altLang="zh-CN" sz="900" b="1" i="0" u="none" strike="noStrike" cap="none" normalizeH="0" baseline="0" dirty="0">
-                <a:ln>
-                  <a:noFill/>
-                </a:ln>
-                <a:solidFill>
-                  <a:srgbClr val="660E7A"/>
-                </a:solidFill>
-                <a:effectLst/>
-                <a:latin typeface="Arial Unicode MS"/>
-                <a:ea typeface="JetBrains Mono"/>
-              </a:rPr>
-              <a:t>                                </a:t>
-            </a:r>
-            <a:r>
-              <a:rPr kumimoji="0" lang="zh-CN" altLang="zh-CN" sz="900" b="1" i="0" u="none" strike="noStrike" cap="none" normalizeH="0" baseline="0" dirty="0">
-                <a:ln>
-                  <a:noFill/>
-                </a:ln>
-                <a:solidFill>
-                  <a:srgbClr val="000080"/>
-                </a:solidFill>
-                <a:effectLst/>
-                <a:latin typeface="Arial Unicode MS"/>
-                <a:ea typeface="JetBrains Mono"/>
-              </a:rPr>
-              <a:t>join class c on s</a:t>
-            </a:r>
-            <a:r>
-              <a:rPr kumimoji="0" lang="zh-CN" altLang="zh-CN" sz="900" b="0" i="0" u="none" strike="noStrike" cap="none" normalizeH="0" baseline="0" dirty="0">
-                <a:ln>
-                  <a:noFill/>
-                </a:ln>
-                <a:solidFill>
-                  <a:srgbClr val="000000"/>
-                </a:solidFill>
-                <a:effectLst/>
-                <a:latin typeface="Arial Unicode MS"/>
-                <a:ea typeface="JetBrains Mono"/>
-              </a:rPr>
-              <a:t>.</a:t>
-            </a:r>
-            <a:r>
-              <a:rPr kumimoji="0" lang="zh-CN" altLang="zh-CN" sz="900" b="1" i="0" u="none" strike="noStrike" cap="none" normalizeH="0" baseline="0" dirty="0">
-                <a:ln>
-                  <a:noFill/>
-                </a:ln>
-                <a:solidFill>
-                  <a:srgbClr val="660E7A"/>
-                </a:solidFill>
-                <a:effectLst/>
-                <a:latin typeface="Arial Unicode MS"/>
-                <a:ea typeface="JetBrains Mono"/>
-              </a:rPr>
-              <a:t>id </a:t>
-            </a:r>
-            <a:r>
-              <a:rPr kumimoji="0" lang="zh-CN" altLang="zh-CN" sz="900" b="0" i="0" u="none" strike="noStrike" cap="none" normalizeH="0" baseline="0" dirty="0">
-                <a:ln>
-                  <a:noFill/>
-                </a:ln>
-                <a:solidFill>
-                  <a:srgbClr val="000000"/>
-                </a:solidFill>
-                <a:effectLst/>
-                <a:latin typeface="Arial Unicode MS"/>
-                <a:ea typeface="JetBrains Mono"/>
-              </a:rPr>
-              <a:t>= </a:t>
-            </a:r>
-            <a:r>
-              <a:rPr kumimoji="0" lang="zh-CN" altLang="zh-CN" sz="900" b="1" i="0" u="none" strike="noStrike" cap="none" normalizeH="0" baseline="0" dirty="0">
-                <a:ln>
-                  <a:noFill/>
-                </a:ln>
-                <a:solidFill>
-                  <a:srgbClr val="000080"/>
-                </a:solidFill>
-                <a:effectLst/>
-                <a:latin typeface="Arial Unicode MS"/>
-                <a:ea typeface="JetBrains Mono"/>
-              </a:rPr>
-              <a:t>c</a:t>
-            </a:r>
-            <a:r>
-              <a:rPr kumimoji="0" lang="zh-CN" altLang="zh-CN" sz="900" b="0" i="0" u="none" strike="noStrike" cap="none" normalizeH="0" baseline="0" dirty="0">
-                <a:ln>
-                  <a:noFill/>
-                </a:ln>
-                <a:solidFill>
-                  <a:srgbClr val="000000"/>
-                </a:solidFill>
-                <a:effectLst/>
-                <a:latin typeface="Arial Unicode MS"/>
-                <a:ea typeface="JetBrains Mono"/>
-              </a:rPr>
-              <a:t>.</a:t>
-            </a:r>
-            <a:r>
-              <a:rPr kumimoji="0" lang="zh-CN" altLang="zh-CN" sz="900" b="1" i="0" u="none" strike="noStrike" cap="none" normalizeH="0" baseline="0" dirty="0">
-                <a:ln>
-                  <a:noFill/>
-                </a:ln>
-                <a:solidFill>
-                  <a:srgbClr val="660E7A"/>
-                </a:solidFill>
-                <a:effectLst/>
-                <a:latin typeface="Arial Unicode MS"/>
-                <a:ea typeface="JetBrains Mono"/>
-              </a:rPr>
-              <a:t>section_id</a:t>
-            </a:r>
-            <a:br>
-              <a:rPr kumimoji="0" lang="zh-CN" altLang="zh-CN" sz="900" b="1" i="0" u="none" strike="noStrike" cap="none" normalizeH="0" baseline="0" dirty="0">
-                <a:ln>
-                  <a:noFill/>
-                </a:ln>
-                <a:solidFill>
-                  <a:srgbClr val="660E7A"/>
-                </a:solidFill>
-                <a:effectLst/>
-                <a:latin typeface="Arial Unicode MS"/>
-                <a:ea typeface="JetBrains Mono"/>
-              </a:rPr>
-            </a:br>
-            <a:r>
-              <a:rPr kumimoji="0" lang="zh-CN" altLang="zh-CN" sz="900" b="1" i="0" u="none" strike="noStrike" cap="none" normalizeH="0" baseline="0" dirty="0">
-                <a:ln>
-                  <a:noFill/>
-                </a:ln>
-                <a:solidFill>
-                  <a:srgbClr val="660E7A"/>
-                </a:solidFill>
-                <a:effectLst/>
-                <a:latin typeface="Arial Unicode MS"/>
-                <a:ea typeface="JetBrains Mono"/>
-              </a:rPr>
-              <a:t>                                </a:t>
-            </a:r>
-            <a:r>
-              <a:rPr kumimoji="0" lang="zh-CN" altLang="zh-CN" sz="900" b="1" i="0" u="none" strike="noStrike" cap="none" normalizeH="0" baseline="0" dirty="0">
-                <a:ln>
-                  <a:noFill/>
-                </a:ln>
-                <a:solidFill>
-                  <a:srgbClr val="000080"/>
-                </a:solidFill>
-                <a:effectLst/>
-                <a:latin typeface="Arial Unicode MS"/>
-                <a:ea typeface="JetBrains Mono"/>
-              </a:rPr>
-              <a:t>join </a:t>
-            </a:r>
-            <a:r>
-              <a:rPr kumimoji="0" lang="zh-CN" altLang="zh-CN" sz="900" b="0" i="0" u="none" strike="noStrike" cap="none" normalizeH="0" baseline="0" dirty="0">
-                <a:ln>
-                  <a:noFill/>
-                </a:ln>
-                <a:solidFill>
-                  <a:srgbClr val="000000"/>
-                </a:solidFill>
-                <a:effectLst/>
-                <a:latin typeface="Arial Unicode MS"/>
-                <a:ea typeface="JetBrains Mono"/>
-              </a:rPr>
-              <a:t>instructor i </a:t>
-            </a:r>
-            <a:r>
-              <a:rPr kumimoji="0" lang="zh-CN" altLang="zh-CN" sz="900" b="1" i="0" u="none" strike="noStrike" cap="none" normalizeH="0" baseline="0" dirty="0">
-                <a:ln>
-                  <a:noFill/>
-                </a:ln>
-                <a:solidFill>
-                  <a:srgbClr val="000080"/>
-                </a:solidFill>
-                <a:effectLst/>
-                <a:latin typeface="Arial Unicode MS"/>
-                <a:ea typeface="JetBrains Mono"/>
-              </a:rPr>
-              <a:t>on </a:t>
-            </a:r>
-            <a:r>
-              <a:rPr kumimoji="0" lang="zh-CN" altLang="zh-CN" sz="900" b="0" i="0" u="none" strike="noStrike" cap="none" normalizeH="0" baseline="0" dirty="0">
-                <a:ln>
-                  <a:noFill/>
-                </a:ln>
-                <a:solidFill>
-                  <a:srgbClr val="000000"/>
-                </a:solidFill>
-                <a:effectLst/>
-                <a:latin typeface="Arial Unicode MS"/>
-                <a:ea typeface="JetBrains Mono"/>
-              </a:rPr>
-              <a:t>i.</a:t>
-            </a:r>
-            <a:r>
-              <a:rPr kumimoji="0" lang="zh-CN" altLang="zh-CN" sz="900" b="1" i="0" u="none" strike="noStrike" cap="none" normalizeH="0" baseline="0" dirty="0">
-                <a:ln>
-                  <a:noFill/>
-                </a:ln>
-                <a:solidFill>
-                  <a:srgbClr val="660E7A"/>
-                </a:solidFill>
-                <a:effectLst/>
-                <a:latin typeface="Arial Unicode MS"/>
-                <a:ea typeface="JetBrains Mono"/>
-              </a:rPr>
-              <a:t>user_id </a:t>
-            </a:r>
-            <a:r>
-              <a:rPr kumimoji="0" lang="zh-CN" altLang="zh-CN" sz="900" b="0" i="0" u="none" strike="noStrike" cap="none" normalizeH="0" baseline="0" dirty="0">
-                <a:ln>
-                  <a:noFill/>
-                </a:ln>
-                <a:solidFill>
-                  <a:srgbClr val="000000"/>
-                </a:solidFill>
-                <a:effectLst/>
-                <a:latin typeface="Arial Unicode MS"/>
-                <a:ea typeface="JetBrains Mono"/>
-              </a:rPr>
-              <a:t>= </a:t>
-            </a:r>
-            <a:r>
-              <a:rPr kumimoji="0" lang="zh-CN" altLang="zh-CN" sz="900" b="1" i="0" u="none" strike="noStrike" cap="none" normalizeH="0" baseline="0" dirty="0">
-                <a:ln>
-                  <a:noFill/>
-                </a:ln>
-                <a:solidFill>
-                  <a:srgbClr val="000080"/>
-                </a:solidFill>
-                <a:effectLst/>
-                <a:latin typeface="Arial Unicode MS"/>
-                <a:ea typeface="JetBrains Mono"/>
-              </a:rPr>
-              <a:t>c</a:t>
-            </a:r>
-            <a:r>
-              <a:rPr kumimoji="0" lang="zh-CN" altLang="zh-CN" sz="900" b="0" i="0" u="none" strike="noStrike" cap="none" normalizeH="0" baseline="0" dirty="0">
-                <a:ln>
-                  <a:noFill/>
-                </a:ln>
-                <a:solidFill>
-                  <a:srgbClr val="000000"/>
-                </a:solidFill>
-                <a:effectLst/>
-                <a:latin typeface="Arial Unicode MS"/>
-                <a:ea typeface="JetBrains Mono"/>
-              </a:rPr>
-              <a:t>.</a:t>
-            </a:r>
-            <a:r>
-              <a:rPr kumimoji="0" lang="zh-CN" altLang="zh-CN" sz="900" b="1" i="0" u="none" strike="noStrike" cap="none" normalizeH="0" baseline="0" dirty="0">
-                <a:ln>
-                  <a:noFill/>
-                </a:ln>
-                <a:solidFill>
-                  <a:srgbClr val="660E7A"/>
-                </a:solidFill>
-                <a:effectLst/>
-                <a:latin typeface="Arial Unicode MS"/>
-                <a:ea typeface="JetBrains Mono"/>
-              </a:rPr>
-              <a:t>instructor_id</a:t>
-            </a:r>
-            <a:br>
-              <a:rPr kumimoji="0" lang="zh-CN" altLang="zh-CN" sz="900" b="1" i="0" u="none" strike="noStrike" cap="none" normalizeH="0" baseline="0" dirty="0">
-                <a:ln>
-                  <a:noFill/>
-                </a:ln>
-                <a:solidFill>
-                  <a:srgbClr val="660E7A"/>
-                </a:solidFill>
-                <a:effectLst/>
-                <a:latin typeface="Arial Unicode MS"/>
-                <a:ea typeface="JetBrains Mono"/>
-              </a:rPr>
-            </a:br>
-            <a:r>
-              <a:rPr kumimoji="0" lang="zh-CN" altLang="zh-CN" sz="900" b="1" i="0" u="none" strike="noStrike" cap="none" normalizeH="0" baseline="0" dirty="0">
-                <a:ln>
-                  <a:noFill/>
-                </a:ln>
-                <a:solidFill>
-                  <a:srgbClr val="660E7A"/>
-                </a:solidFill>
-                <a:effectLst/>
-                <a:latin typeface="Arial Unicode MS"/>
-                <a:ea typeface="JetBrains Mono"/>
-              </a:rPr>
-              <a:t>                                </a:t>
-            </a:r>
-            <a:r>
-              <a:rPr kumimoji="0" lang="zh-CN" altLang="zh-CN" sz="900" b="1" i="0" u="none" strike="noStrike" cap="none" normalizeH="0" baseline="0" dirty="0">
-                <a:ln>
-                  <a:noFill/>
-                </a:ln>
-                <a:solidFill>
-                  <a:srgbClr val="000080"/>
-                </a:solidFill>
-                <a:effectLst/>
-                <a:latin typeface="Arial Unicode MS"/>
-                <a:ea typeface="JetBrains Mono"/>
-              </a:rPr>
-              <a:t>join </a:t>
-            </a:r>
-            <a:r>
-              <a:rPr kumimoji="0" lang="zh-CN" altLang="zh-CN" sz="900" b="0" i="0" u="none" strike="noStrike" cap="none" normalizeH="0" baseline="0" dirty="0">
-                <a:ln>
-                  <a:noFill/>
-                </a:ln>
-                <a:solidFill>
-                  <a:srgbClr val="000000"/>
-                </a:solidFill>
-                <a:effectLst/>
-                <a:latin typeface="Arial Unicode MS"/>
-                <a:ea typeface="JetBrains Mono"/>
-              </a:rPr>
-              <a:t>"user" u </a:t>
-            </a:r>
-            <a:r>
-              <a:rPr kumimoji="0" lang="zh-CN" altLang="zh-CN" sz="900" b="1" i="0" u="none" strike="noStrike" cap="none" normalizeH="0" baseline="0" dirty="0">
-                <a:ln>
-                  <a:noFill/>
-                </a:ln>
-                <a:solidFill>
-                  <a:srgbClr val="000080"/>
-                </a:solidFill>
-                <a:effectLst/>
-                <a:latin typeface="Arial Unicode MS"/>
-                <a:ea typeface="JetBrains Mono"/>
-              </a:rPr>
-              <a:t>on </a:t>
-            </a:r>
-            <a:r>
-              <a:rPr kumimoji="0" lang="zh-CN" altLang="zh-CN" sz="900" b="0" i="0" u="none" strike="noStrike" cap="none" normalizeH="0" baseline="0" dirty="0">
-                <a:ln>
-                  <a:noFill/>
-                </a:ln>
-                <a:solidFill>
-                  <a:srgbClr val="000000"/>
-                </a:solidFill>
-                <a:effectLst/>
-                <a:latin typeface="Arial Unicode MS"/>
-                <a:ea typeface="JetBrains Mono"/>
-              </a:rPr>
-              <a:t>u.</a:t>
-            </a:r>
-            <a:r>
-              <a:rPr kumimoji="0" lang="zh-CN" altLang="zh-CN" sz="900" b="1" i="0" u="none" strike="noStrike" cap="none" normalizeH="0" baseline="0" dirty="0">
-                <a:ln>
-                  <a:noFill/>
-                </a:ln>
-                <a:solidFill>
-                  <a:srgbClr val="660E7A"/>
-                </a:solidFill>
-                <a:effectLst/>
-                <a:latin typeface="Arial Unicode MS"/>
-                <a:ea typeface="JetBrains Mono"/>
-              </a:rPr>
-              <a:t>id </a:t>
-            </a:r>
-            <a:r>
-              <a:rPr kumimoji="0" lang="zh-CN" altLang="zh-CN" sz="900" b="0" i="0" u="none" strike="noStrike" cap="none" normalizeH="0" baseline="0" dirty="0">
-                <a:ln>
-                  <a:noFill/>
-                </a:ln>
-                <a:solidFill>
-                  <a:srgbClr val="000000"/>
-                </a:solidFill>
-                <a:effectLst/>
-                <a:latin typeface="Arial Unicode MS"/>
-                <a:ea typeface="JetBrains Mono"/>
-              </a:rPr>
-              <a:t>= i.</a:t>
-            </a:r>
-            <a:r>
-              <a:rPr kumimoji="0" lang="zh-CN" altLang="zh-CN" sz="900" b="1" i="0" u="none" strike="noStrike" cap="none" normalizeH="0" baseline="0" dirty="0">
-                <a:ln>
-                  <a:noFill/>
-                </a:ln>
-                <a:solidFill>
-                  <a:srgbClr val="660E7A"/>
-                </a:solidFill>
-                <a:effectLst/>
-                <a:latin typeface="Arial Unicode MS"/>
-                <a:ea typeface="JetBrains Mono"/>
-              </a:rPr>
-              <a:t>user_id</a:t>
-            </a:r>
-            <a:br>
-              <a:rPr kumimoji="0" lang="zh-CN" altLang="zh-CN" sz="900" b="1" i="0" u="none" strike="noStrike" cap="none" normalizeH="0" baseline="0" dirty="0">
-                <a:ln>
-                  <a:noFill/>
-                </a:ln>
-                <a:solidFill>
-                  <a:srgbClr val="660E7A"/>
-                </a:solidFill>
-                <a:effectLst/>
-                <a:latin typeface="Arial Unicode MS"/>
-                <a:ea typeface="JetBrains Mono"/>
-              </a:rPr>
-            </a:br>
-            <a:r>
-              <a:rPr kumimoji="0" lang="zh-CN" altLang="zh-CN" sz="900" b="1" i="0" u="none" strike="noStrike" cap="none" normalizeH="0" baseline="0" dirty="0">
-                <a:ln>
-                  <a:noFill/>
-                </a:ln>
-                <a:solidFill>
-                  <a:srgbClr val="660E7A"/>
-                </a:solidFill>
-                <a:effectLst/>
-                <a:latin typeface="Arial Unicode MS"/>
-                <a:ea typeface="JetBrains Mono"/>
-              </a:rPr>
-              <a:t>                                </a:t>
-            </a:r>
-            <a:r>
-              <a:rPr kumimoji="0" lang="zh-CN" altLang="zh-CN" sz="900" b="1" i="0" u="none" strike="noStrike" cap="none" normalizeH="0" baseline="0" dirty="0">
-                <a:ln>
-                  <a:noFill/>
-                </a:ln>
-                <a:solidFill>
-                  <a:srgbClr val="000080"/>
-                </a:solidFill>
-                <a:effectLst/>
-                <a:latin typeface="Arial Unicode MS"/>
-                <a:ea typeface="JetBrains Mono"/>
-              </a:rPr>
-              <a:t>join </a:t>
-            </a:r>
-            <a:r>
-              <a:rPr kumimoji="0" lang="zh-CN" altLang="zh-CN" sz="900" b="0" i="0" u="none" strike="noStrike" cap="none" normalizeH="0" baseline="0" dirty="0">
-                <a:ln>
-                  <a:noFill/>
-                </a:ln>
-                <a:solidFill>
-                  <a:srgbClr val="000000"/>
-                </a:solidFill>
-                <a:effectLst/>
-                <a:latin typeface="Arial Unicode MS"/>
-                <a:ea typeface="JetBrains Mono"/>
-              </a:rPr>
-              <a:t>course c2 </a:t>
-            </a:r>
-            <a:r>
-              <a:rPr kumimoji="0" lang="zh-CN" altLang="zh-CN" sz="900" b="1" i="0" u="none" strike="noStrike" cap="none" normalizeH="0" baseline="0" dirty="0">
-                <a:ln>
-                  <a:noFill/>
-                </a:ln>
-                <a:solidFill>
-                  <a:srgbClr val="000080"/>
-                </a:solidFill>
-                <a:effectLst/>
-                <a:latin typeface="Arial Unicode MS"/>
-                <a:ea typeface="JetBrains Mono"/>
-              </a:rPr>
-              <a:t>on s</a:t>
-            </a:r>
-            <a:r>
-              <a:rPr kumimoji="0" lang="zh-CN" altLang="zh-CN" sz="900" b="0" i="0" u="none" strike="noStrike" cap="none" normalizeH="0" baseline="0" dirty="0">
-                <a:ln>
-                  <a:noFill/>
-                </a:ln>
-                <a:solidFill>
-                  <a:srgbClr val="000000"/>
-                </a:solidFill>
-                <a:effectLst/>
-                <a:latin typeface="Arial Unicode MS"/>
-                <a:ea typeface="JetBrains Mono"/>
-              </a:rPr>
-              <a:t>.</a:t>
-            </a:r>
-            <a:r>
-              <a:rPr kumimoji="0" lang="zh-CN" altLang="zh-CN" sz="900" b="1" i="0" u="none" strike="noStrike" cap="none" normalizeH="0" baseline="0" dirty="0">
-                <a:ln>
-                  <a:noFill/>
-                </a:ln>
-                <a:solidFill>
-                  <a:srgbClr val="660E7A"/>
-                </a:solidFill>
-                <a:effectLst/>
-                <a:latin typeface="Arial Unicode MS"/>
-                <a:ea typeface="JetBrains Mono"/>
-              </a:rPr>
-              <a:t>course_id </a:t>
-            </a:r>
-            <a:r>
-              <a:rPr kumimoji="0" lang="zh-CN" altLang="zh-CN" sz="900" b="0" i="0" u="none" strike="noStrike" cap="none" normalizeH="0" baseline="0" dirty="0">
-                <a:ln>
-                  <a:noFill/>
-                </a:ln>
-                <a:solidFill>
-                  <a:srgbClr val="000000"/>
-                </a:solidFill>
-                <a:effectLst/>
-                <a:latin typeface="Arial Unicode MS"/>
-                <a:ea typeface="JetBrains Mono"/>
-              </a:rPr>
-              <a:t>= c2.</a:t>
-            </a:r>
-            <a:r>
-              <a:rPr kumimoji="0" lang="zh-CN" altLang="zh-CN" sz="900" b="1" i="0" u="none" strike="noStrike" cap="none" normalizeH="0" baseline="0" dirty="0">
-                <a:ln>
-                  <a:noFill/>
-                </a:ln>
-                <a:solidFill>
-                  <a:srgbClr val="660E7A"/>
-                </a:solidFill>
-                <a:effectLst/>
-                <a:latin typeface="Arial Unicode MS"/>
-                <a:ea typeface="JetBrains Mono"/>
-              </a:rPr>
-              <a:t>id</a:t>
-            </a:r>
-            <a:br>
-              <a:rPr kumimoji="0" lang="zh-CN" altLang="zh-CN" sz="900" b="1" i="0" u="none" strike="noStrike" cap="none" normalizeH="0" baseline="0" dirty="0">
-                <a:ln>
-                  <a:noFill/>
-                </a:ln>
-                <a:solidFill>
-                  <a:srgbClr val="660E7A"/>
-                </a:solidFill>
-                <a:effectLst/>
-                <a:latin typeface="Arial Unicode MS"/>
-                <a:ea typeface="JetBrains Mono"/>
-              </a:rPr>
-            </a:br>
-            <a:r>
-              <a:rPr kumimoji="0" lang="zh-CN" altLang="zh-CN" sz="900" b="1" i="0" u="none" strike="noStrike" cap="none" normalizeH="0" baseline="0" dirty="0">
-                <a:ln>
-                  <a:noFill/>
-                </a:ln>
-                <a:solidFill>
-                  <a:srgbClr val="660E7A"/>
-                </a:solidFill>
-                <a:effectLst/>
-                <a:latin typeface="Arial Unicode MS"/>
-                <a:ea typeface="JetBrains Mono"/>
-              </a:rPr>
-              <a:t>                       </a:t>
-            </a:r>
-            <a:r>
-              <a:rPr kumimoji="0" lang="zh-CN" altLang="zh-CN" sz="900" b="1" i="0" u="none" strike="noStrike" cap="none" normalizeH="0" baseline="0" dirty="0">
-                <a:ln>
-                  <a:noFill/>
-                </a:ln>
-                <a:solidFill>
-                  <a:srgbClr val="000080"/>
-                </a:solidFill>
-                <a:effectLst/>
-                <a:latin typeface="Arial Unicode MS"/>
-                <a:ea typeface="JetBrains Mono"/>
-              </a:rPr>
-              <a:t>where </a:t>
-            </a:r>
-            <a:r>
-              <a:rPr kumimoji="0" lang="zh-CN" altLang="zh-CN" sz="900" b="1" i="0" u="none" strike="noStrike" cap="none" normalizeH="0" baseline="0" dirty="0">
-                <a:ln>
-                  <a:noFill/>
-                </a:ln>
-                <a:solidFill>
-                  <a:srgbClr val="660E7A"/>
-                </a:solidFill>
-                <a:effectLst/>
-                <a:latin typeface="Arial Unicode MS"/>
-                <a:ea typeface="JetBrains Mono"/>
-              </a:rPr>
-              <a:t>semester_id </a:t>
-            </a:r>
-            <a:r>
-              <a:rPr kumimoji="0" lang="zh-CN" altLang="zh-CN" sz="900" b="0" i="0" u="none" strike="noStrike" cap="none" normalizeH="0" baseline="0" dirty="0">
-                <a:ln>
-                  <a:noFill/>
-                </a:ln>
-                <a:solidFill>
-                  <a:srgbClr val="000000"/>
-                </a:solidFill>
-                <a:effectLst/>
-                <a:latin typeface="Arial Unicode MS"/>
-                <a:ea typeface="JetBrains Mono"/>
-              </a:rPr>
-              <a:t>= current_semester_id</a:t>
-            </a:r>
-            <a:br>
-              <a:rPr kumimoji="0" lang="zh-CN" altLang="zh-CN" sz="900" b="0" i="0" u="none" strike="noStrike" cap="none" normalizeH="0" baseline="0" dirty="0">
-                <a:ln>
-                  <a:noFill/>
-                </a:ln>
-                <a:solidFill>
-                  <a:srgbClr val="000000"/>
-                </a:solidFill>
-                <a:effectLst/>
-                <a:latin typeface="Arial Unicode MS"/>
-                <a:ea typeface="JetBrains Mono"/>
-              </a:rPr>
-            </a:br>
-            <a:r>
-              <a:rPr kumimoji="0" lang="zh-CN" altLang="zh-CN" sz="900" b="0" i="0" u="none" strike="noStrike" cap="none" normalizeH="0" baseline="0" dirty="0">
-                <a:ln>
-                  <a:noFill/>
-                </a:ln>
-                <a:solidFill>
-                  <a:srgbClr val="000000"/>
-                </a:solidFill>
-                <a:effectLst/>
-                <a:latin typeface="Arial Unicode MS"/>
-                <a:ea typeface="JetBrains Mono"/>
-              </a:rPr>
-              <a:t>         )</a:t>
-            </a:r>
-            <a:br>
-              <a:rPr kumimoji="0" lang="zh-CN" altLang="zh-CN" sz="900" b="0" i="0" u="none" strike="noStrike" cap="none" normalizeH="0" baseline="0" dirty="0">
-                <a:ln>
-                  <a:noFill/>
-                </a:ln>
-                <a:solidFill>
-                  <a:srgbClr val="000000"/>
-                </a:solidFill>
-                <a:effectLst/>
-                <a:latin typeface="Arial Unicode MS"/>
-                <a:ea typeface="JetBrains Mono"/>
-              </a:rPr>
-            </a:br>
-            <a:r>
-              <a:rPr kumimoji="0" lang="zh-CN" altLang="zh-CN" sz="900" b="0" i="0" u="none" strike="noStrike" cap="none" normalizeH="0" baseline="0" dirty="0">
-                <a:ln>
-                  <a:noFill/>
-                </a:ln>
-                <a:solidFill>
-                  <a:srgbClr val="000000"/>
-                </a:solidFill>
-                <a:effectLst/>
-                <a:latin typeface="Arial Unicode MS"/>
-                <a:ea typeface="JetBrains Mono"/>
-              </a:rPr>
-              <a:t>    </a:t>
-            </a:r>
-            <a:r>
-              <a:rPr kumimoji="0" lang="zh-CN" altLang="zh-CN" sz="900" b="1" i="0" u="none" strike="noStrike" cap="none" normalizeH="0" baseline="0" dirty="0">
-                <a:ln>
-                  <a:noFill/>
-                </a:ln>
-                <a:solidFill>
-                  <a:srgbClr val="000080"/>
-                </a:solidFill>
-                <a:effectLst/>
-                <a:latin typeface="Arial Unicode MS"/>
-                <a:ea typeface="JetBrains Mono"/>
-              </a:rPr>
-              <a:t>select </a:t>
-            </a:r>
-            <a:r>
-              <a:rPr kumimoji="0" lang="zh-CN" altLang="zh-CN" sz="900" b="0" i="0" u="none" strike="noStrike" cap="none" normalizeH="0" baseline="0" dirty="0">
-                <a:ln>
-                  <a:noFill/>
-                </a:ln>
-                <a:solidFill>
-                  <a:srgbClr val="000000"/>
-                </a:solidFill>
-                <a:effectLst/>
-                <a:latin typeface="Arial Unicode MS"/>
-                <a:ea typeface="JetBrains Mono"/>
-              </a:rPr>
-              <a:t>temp_week.day,</a:t>
-            </a:r>
-            <a:br>
-              <a:rPr kumimoji="0" lang="zh-CN" altLang="zh-CN" sz="900" b="0" i="0" u="none" strike="noStrike" cap="none" normalizeH="0" baseline="0" dirty="0">
-                <a:ln>
-                  <a:noFill/>
-                </a:ln>
-                <a:solidFill>
-                  <a:srgbClr val="000000"/>
-                </a:solidFill>
-                <a:effectLst/>
-                <a:latin typeface="Arial Unicode MS"/>
-                <a:ea typeface="JetBrains Mono"/>
-              </a:rPr>
-            </a:br>
-            <a:r>
-              <a:rPr kumimoji="0" lang="zh-CN" altLang="zh-CN" sz="900" b="0" i="0" u="none" strike="noStrike" cap="none" normalizeH="0" baseline="0" dirty="0">
-                <a:ln>
-                  <a:noFill/>
-                </a:ln>
-                <a:solidFill>
-                  <a:srgbClr val="000000"/>
-                </a:solidFill>
-                <a:effectLst/>
-                <a:latin typeface="Arial Unicode MS"/>
-                <a:ea typeface="JetBrains Mono"/>
-              </a:rPr>
-              <a:t>           temp_week.class_name,</a:t>
-            </a:r>
-            <a:br>
-              <a:rPr kumimoji="0" lang="zh-CN" altLang="zh-CN" sz="900" b="0" i="0" u="none" strike="noStrike" cap="none" normalizeH="0" baseline="0" dirty="0">
-                <a:ln>
-                  <a:noFill/>
-                </a:ln>
-                <a:solidFill>
-                  <a:srgbClr val="000000"/>
-                </a:solidFill>
-                <a:effectLst/>
-                <a:latin typeface="Arial Unicode MS"/>
-                <a:ea typeface="JetBrains Mono"/>
-              </a:rPr>
-            </a:br>
-            <a:r>
-              <a:rPr kumimoji="0" lang="zh-CN" altLang="zh-CN" sz="900" b="0" i="0" u="none" strike="noStrike" cap="none" normalizeH="0" baseline="0" dirty="0">
-                <a:ln>
-                  <a:noFill/>
-                </a:ln>
-                <a:solidFill>
-                  <a:srgbClr val="000000"/>
-                </a:solidFill>
-                <a:effectLst/>
-                <a:latin typeface="Arial Unicode MS"/>
-                <a:ea typeface="JetBrains Mono"/>
-              </a:rPr>
-              <a:t>           temp_week.instructor_id,</a:t>
-            </a:r>
-            <a:br>
-              <a:rPr kumimoji="0" lang="zh-CN" altLang="zh-CN" sz="900" b="0" i="0" u="none" strike="noStrike" cap="none" normalizeH="0" baseline="0" dirty="0">
-                <a:ln>
-                  <a:noFill/>
-                </a:ln>
-                <a:solidFill>
-                  <a:srgbClr val="000000"/>
-                </a:solidFill>
-                <a:effectLst/>
-                <a:latin typeface="Arial Unicode MS"/>
-                <a:ea typeface="JetBrains Mono"/>
-              </a:rPr>
-            </a:br>
-            <a:r>
-              <a:rPr kumimoji="0" lang="zh-CN" altLang="zh-CN" sz="900" b="0" i="0" u="none" strike="noStrike" cap="none" normalizeH="0" baseline="0" dirty="0">
-                <a:ln>
-                  <a:noFill/>
-                </a:ln>
-                <a:solidFill>
-                  <a:srgbClr val="000000"/>
-                </a:solidFill>
-                <a:effectLst/>
-                <a:latin typeface="Arial Unicode MS"/>
-                <a:ea typeface="JetBrains Mono"/>
-              </a:rPr>
-              <a:t>           temp_week.instructor_full_name,</a:t>
-            </a:r>
-            <a:br>
-              <a:rPr kumimoji="0" lang="zh-CN" altLang="zh-CN" sz="900" b="0" i="0" u="none" strike="noStrike" cap="none" normalizeH="0" baseline="0" dirty="0">
-                <a:ln>
-                  <a:noFill/>
-                </a:ln>
-                <a:solidFill>
-                  <a:srgbClr val="000000"/>
-                </a:solidFill>
-                <a:effectLst/>
-                <a:latin typeface="Arial Unicode MS"/>
-                <a:ea typeface="JetBrains Mono"/>
-              </a:rPr>
-            </a:br>
-            <a:r>
-              <a:rPr kumimoji="0" lang="zh-CN" altLang="zh-CN" sz="900" b="0" i="0" u="none" strike="noStrike" cap="none" normalizeH="0" baseline="0" dirty="0">
-                <a:ln>
-                  <a:noFill/>
-                </a:ln>
-                <a:solidFill>
-                  <a:srgbClr val="000000"/>
-                </a:solidFill>
-                <a:effectLst/>
-                <a:latin typeface="Arial Unicode MS"/>
-                <a:ea typeface="JetBrains Mono"/>
-              </a:rPr>
-              <a:t>           temp_week.class_begin,</a:t>
-            </a:r>
-            <a:br>
-              <a:rPr kumimoji="0" lang="zh-CN" altLang="zh-CN" sz="900" b="0" i="0" u="none" strike="noStrike" cap="none" normalizeH="0" baseline="0" dirty="0">
-                <a:ln>
-                  <a:noFill/>
-                </a:ln>
-                <a:solidFill>
-                  <a:srgbClr val="000000"/>
-                </a:solidFill>
-                <a:effectLst/>
-                <a:latin typeface="Arial Unicode MS"/>
-                <a:ea typeface="JetBrains Mono"/>
-              </a:rPr>
-            </a:br>
-            <a:r>
-              <a:rPr kumimoji="0" lang="zh-CN" altLang="zh-CN" sz="900" b="0" i="0" u="none" strike="noStrike" cap="none" normalizeH="0" baseline="0" dirty="0">
-                <a:ln>
-                  <a:noFill/>
-                </a:ln>
-                <a:solidFill>
-                  <a:srgbClr val="000000"/>
-                </a:solidFill>
-                <a:effectLst/>
-                <a:latin typeface="Arial Unicode MS"/>
-                <a:ea typeface="JetBrains Mono"/>
-              </a:rPr>
-              <a:t>           temp_week.class_end,</a:t>
-            </a:r>
-            <a:br>
-              <a:rPr kumimoji="0" lang="zh-CN" altLang="zh-CN" sz="900" b="0" i="0" u="none" strike="noStrike" cap="none" normalizeH="0" baseline="0" dirty="0">
-                <a:ln>
-                  <a:noFill/>
-                </a:ln>
-                <a:solidFill>
-                  <a:srgbClr val="000000"/>
-                </a:solidFill>
-                <a:effectLst/>
-                <a:latin typeface="Arial Unicode MS"/>
-                <a:ea typeface="JetBrains Mono"/>
-              </a:rPr>
-            </a:br>
-            <a:r>
-              <a:rPr kumimoji="0" lang="zh-CN" altLang="zh-CN" sz="900" b="0" i="0" u="none" strike="noStrike" cap="none" normalizeH="0" baseline="0" dirty="0">
-                <a:ln>
-                  <a:noFill/>
-                </a:ln>
-                <a:solidFill>
-                  <a:srgbClr val="000000"/>
-                </a:solidFill>
-                <a:effectLst/>
-                <a:latin typeface="Arial Unicode MS"/>
-                <a:ea typeface="JetBrains Mono"/>
-              </a:rPr>
-              <a:t>           temp_week.location</a:t>
-            </a:r>
-            <a:br>
-              <a:rPr kumimoji="0" lang="zh-CN" altLang="zh-CN" sz="900" b="0" i="0" u="none" strike="noStrike" cap="none" normalizeH="0" baseline="0" dirty="0">
-                <a:ln>
-                  <a:noFill/>
-                </a:ln>
-                <a:solidFill>
-                  <a:srgbClr val="000000"/>
-                </a:solidFill>
-                <a:effectLst/>
-                <a:latin typeface="Arial Unicode MS"/>
-                <a:ea typeface="JetBrains Mono"/>
-              </a:rPr>
-            </a:br>
-            <a:r>
-              <a:rPr kumimoji="0" lang="zh-CN" altLang="zh-CN" sz="900" b="0" i="0" u="none" strike="noStrike" cap="none" normalizeH="0" baseline="0" dirty="0">
-                <a:ln>
-                  <a:noFill/>
-                </a:ln>
-                <a:solidFill>
-                  <a:srgbClr val="000000"/>
-                </a:solidFill>
-                <a:effectLst/>
-                <a:latin typeface="Arial Unicode MS"/>
-                <a:ea typeface="JetBrains Mono"/>
-              </a:rPr>
-              <a:t>    </a:t>
-            </a:r>
-            <a:r>
-              <a:rPr kumimoji="0" lang="zh-CN" altLang="zh-CN" sz="900" b="1" i="0" u="none" strike="noStrike" cap="none" normalizeH="0" baseline="0" dirty="0">
-                <a:ln>
-                  <a:noFill/>
-                </a:ln>
-                <a:solidFill>
-                  <a:srgbClr val="000080"/>
-                </a:solidFill>
-                <a:effectLst/>
-                <a:latin typeface="Arial Unicode MS"/>
-                <a:ea typeface="JetBrains Mono"/>
-              </a:rPr>
-              <a:t>from </a:t>
-            </a:r>
-            <a:r>
-              <a:rPr kumimoji="0" lang="zh-CN" altLang="zh-CN" sz="900" b="0" i="0" u="none" strike="noStrike" cap="none" normalizeH="0" baseline="0" dirty="0">
-                <a:ln>
-                  <a:noFill/>
-                </a:ln>
-                <a:solidFill>
-                  <a:srgbClr val="000000"/>
-                </a:solidFill>
-                <a:effectLst/>
-                <a:latin typeface="Arial Unicode MS"/>
-                <a:ea typeface="JetBrains Mono"/>
-              </a:rPr>
-              <a:t>temp_week</a:t>
-            </a:r>
-            <a:br>
-              <a:rPr kumimoji="0" lang="zh-CN" altLang="zh-CN" sz="900" b="0" i="0" u="none" strike="noStrike" cap="none" normalizeH="0" baseline="0" dirty="0">
-                <a:ln>
-                  <a:noFill/>
-                </a:ln>
-                <a:solidFill>
-                  <a:srgbClr val="000000"/>
-                </a:solidFill>
-                <a:effectLst/>
-                <a:latin typeface="Arial Unicode MS"/>
-                <a:ea typeface="JetBrains Mono"/>
-              </a:rPr>
-            </a:br>
-            <a:r>
-              <a:rPr kumimoji="0" lang="zh-CN" altLang="zh-CN" sz="900" b="0" i="0" u="none" strike="noStrike" cap="none" normalizeH="0" baseline="0" dirty="0">
-                <a:ln>
-                  <a:noFill/>
-                </a:ln>
-                <a:solidFill>
-                  <a:srgbClr val="000000"/>
-                </a:solidFill>
-                <a:effectLst/>
-                <a:latin typeface="Arial Unicode MS"/>
-                <a:ea typeface="JetBrains Mono"/>
-              </a:rPr>
-              <a:t>    </a:t>
-            </a:r>
-            <a:r>
-              <a:rPr kumimoji="0" lang="zh-CN" altLang="zh-CN" sz="900" b="1" i="0" u="none" strike="noStrike" cap="none" normalizeH="0" baseline="0" dirty="0">
-                <a:ln>
-                  <a:noFill/>
-                </a:ln>
-                <a:solidFill>
-                  <a:srgbClr val="000080"/>
-                </a:solidFill>
-                <a:effectLst/>
-                <a:latin typeface="Arial Unicode MS"/>
-                <a:ea typeface="JetBrains Mono"/>
-              </a:rPr>
-              <a:t>where week </a:t>
-            </a:r>
-            <a:r>
-              <a:rPr kumimoji="0" lang="zh-CN" altLang="zh-CN" sz="900" b="0" i="0" u="none" strike="noStrike" cap="none" normalizeH="0" baseline="0" dirty="0">
-                <a:ln>
-                  <a:noFill/>
-                </a:ln>
-                <a:solidFill>
-                  <a:srgbClr val="000000"/>
-                </a:solidFill>
-                <a:effectLst/>
-                <a:latin typeface="Arial Unicode MS"/>
-                <a:ea typeface="JetBrains Mono"/>
-              </a:rPr>
-              <a:t>= week_num;</a:t>
+                  <a:srgbClr val="000080"/>
+                </a:solidFill>
+                <a:effectLst/>
+                <a:latin typeface="Arial Unicode MS"/>
+                <a:ea typeface="JetBrains Mono"/>
+              </a:rPr>
+              <a:t>cast</a:t>
+            </a:r>
+            <a:r>
+              <a:rPr kumimoji="0" lang="zh-CN" altLang="zh-CN" sz="900" b="0" i="0" u="none" strike="noStrike" cap="none" normalizeH="0" baseline="0" dirty="0">
+                <a:ln>
+                  <a:noFill/>
+                </a:ln>
+                <a:solidFill>
+                  <a:srgbClr val="000000"/>
+                </a:solidFill>
+                <a:effectLst/>
+                <a:latin typeface="Arial Unicode MS"/>
+                <a:ea typeface="JetBrains Mono"/>
+              </a:rPr>
+              <a:t>(week_num </a:t>
+            </a:r>
+            <a:r>
+              <a:rPr kumimoji="0" lang="zh-CN" altLang="zh-CN" sz="900" b="1" i="0" u="none" strike="noStrike" cap="none" normalizeH="0" baseline="0" dirty="0">
+                <a:ln>
+                  <a:noFill/>
+                </a:ln>
+                <a:solidFill>
+                  <a:srgbClr val="000080"/>
+                </a:solidFill>
+                <a:effectLst/>
+                <a:latin typeface="Arial Unicode MS"/>
+                <a:ea typeface="JetBrains Mono"/>
+              </a:rPr>
+              <a:t>as smallint</a:t>
+            </a:r>
+            <a:r>
+              <a:rPr kumimoji="0" lang="zh-CN" altLang="zh-CN" sz="900" b="0" i="0" u="none" strike="noStrike" cap="none" normalizeH="0" baseline="0" dirty="0">
+                <a:ln>
+                  <a:noFill/>
+                </a:ln>
+                <a:solidFill>
+                  <a:srgbClr val="000000"/>
+                </a:solidFill>
+                <a:effectLst/>
+                <a:latin typeface="Arial Unicode MS"/>
+                <a:ea typeface="JetBrains Mono"/>
+              </a:rPr>
+              <a:t>)];</a:t>
             </a:r>
             <a:endParaRPr kumimoji="0" lang="zh-CN" altLang="zh-CN" sz="1800" b="0" i="0" u="none" strike="noStrike" cap="none" normalizeH="0" baseline="0" dirty="0">
               <a:ln>

--- a/Pre.pptx
+++ b/Pre.pptx
@@ -14,8 +14,7 @@
     <p:sldId id="263" r:id="rId8"/>
     <p:sldId id="262" r:id="rId9"/>
     <p:sldId id="264" r:id="rId10"/>
-    <p:sldId id="265" r:id="rId11"/>
-    <p:sldId id="266" r:id="rId12"/>
+    <p:sldId id="266" r:id="rId11"/>
   </p:sldIdLst>
   <p:sldSz cx="12192000" cy="6858000"/>
   <p:notesSz cx="6858000" cy="9144000"/>
@@ -3466,90 +3465,6 @@
           <p:cNvPr id="2" name="标题 1">
             <a:extLst>
               <a:ext uri="{FF2B5EF4-FFF2-40B4-BE49-F238E27FC236}">
-                <a16:creationId xmlns:a16="http://schemas.microsoft.com/office/drawing/2014/main" id="{71714151-5113-4477-9669-A754694A87DD}"/>
-              </a:ext>
-            </a:extLst>
-          </p:cNvPr>
-          <p:cNvSpPr>
-            <a:spLocks noGrp="1"/>
-          </p:cNvSpPr>
-          <p:nvPr>
-            <p:ph type="title"/>
-          </p:nvPr>
-        </p:nvSpPr>
-        <p:spPr/>
-        <p:txBody>
-          <a:bodyPr/>
-          <a:lstStyle/>
-          <a:p>
-            <a:r>
-              <a:rPr lang="en-US" altLang="zh-CN" dirty="0"/>
-              <a:t>Optimizations</a:t>
-            </a:r>
-            <a:endParaRPr lang="zh-CN" altLang="en-US" dirty="0"/>
-          </a:p>
-        </p:txBody>
-      </p:sp>
-      <p:sp>
-        <p:nvSpPr>
-          <p:cNvPr id="3" name="内容占位符 2">
-            <a:extLst>
-              <a:ext uri="{FF2B5EF4-FFF2-40B4-BE49-F238E27FC236}">
-                <a16:creationId xmlns:a16="http://schemas.microsoft.com/office/drawing/2014/main" id="{E8DE4E90-1CE1-4DD0-8CB3-A6CCE9B0A625}"/>
-              </a:ext>
-            </a:extLst>
-          </p:cNvPr>
-          <p:cNvSpPr>
-            <a:spLocks noGrp="1"/>
-          </p:cNvSpPr>
-          <p:nvPr>
-            <p:ph idx="1"/>
-          </p:nvPr>
-        </p:nvSpPr>
-        <p:spPr/>
-        <p:txBody>
-          <a:bodyPr/>
-          <a:lstStyle/>
-          <a:p>
-            <a:endParaRPr lang="zh-CN" altLang="en-US"/>
-          </a:p>
-        </p:txBody>
-      </p:sp>
-    </p:spTree>
-    <p:extLst>
-      <p:ext uri="{BB962C8B-B14F-4D97-AF65-F5344CB8AC3E}">
-        <p14:creationId xmlns:p14="http://schemas.microsoft.com/office/powerpoint/2010/main" val="3480936736"/>
-      </p:ext>
-    </p:extLst>
-  </p:cSld>
-  <p:clrMapOvr>
-    <a:masterClrMapping/>
-  </p:clrMapOvr>
-</p:sld>
-</file>
-
-<file path=ppt/slides/slide11.xml><?xml version="1.0" encoding="utf-8"?>
-<p:sld xmlns:a="http://schemas.openxmlformats.org/drawingml/2006/main" xmlns:r="http://schemas.openxmlformats.org/officeDocument/2006/relationships" xmlns:p="http://schemas.openxmlformats.org/presentationml/2006/main">
-  <p:cSld>
-    <p:spTree>
-      <p:nvGrpSpPr>
-        <p:cNvPr id="1" name=""/>
-        <p:cNvGrpSpPr/>
-        <p:nvPr/>
-      </p:nvGrpSpPr>
-      <p:grpSpPr>
-        <a:xfrm>
-          <a:off x="0" y="0"/>
-          <a:ext cx="0" cy="0"/>
-          <a:chOff x="0" y="0"/>
-          <a:chExt cx="0" cy="0"/>
-        </a:xfrm>
-      </p:grpSpPr>
-      <p:sp>
-        <p:nvSpPr>
-          <p:cNvPr id="2" name="标题 1">
-            <a:extLst>
-              <a:ext uri="{FF2B5EF4-FFF2-40B4-BE49-F238E27FC236}">
                 <a16:creationId xmlns:a16="http://schemas.microsoft.com/office/drawing/2014/main" id="{794540F2-B708-43C9-8937-371F14BFB7FF}"/>
               </a:ext>
             </a:extLst>
@@ -3755,6 +3670,33 @@
           <a:bodyPr/>
           <a:lstStyle/>
           <a:p>
+            <a:r>
+              <a:rPr lang="en-US" altLang="zh-CN" dirty="0"/>
+              <a:t>A truth table</a:t>
+            </a:r>
+          </a:p>
+          <a:p>
+            <a:r>
+              <a:rPr lang="en-US" altLang="zh-CN" dirty="0"/>
+              <a:t>A table to store the group(lines) in truth table</a:t>
+            </a:r>
+          </a:p>
+          <a:p>
+            <a:endParaRPr lang="en-US" altLang="zh-CN" dirty="0"/>
+          </a:p>
+          <a:p>
+            <a:r>
+              <a:rPr lang="en-US" altLang="zh-CN" dirty="0"/>
+              <a:t>In </a:t>
+            </a:r>
+            <a:r>
+              <a:rPr lang="en-US" altLang="zh-CN" dirty="0" err="1"/>
+              <a:t>db</a:t>
+            </a:r>
+            <a:r>
+              <a:rPr lang="en-US" altLang="zh-CN" dirty="0"/>
+              <a:t>, the row of truth table will only contain column with value 1. So, the truth table a little special. It is consisted of several groups, every group contains a linear independent combination of "columns" to make the output true.</a:t>
+            </a:r>
             <a:endParaRPr lang="zh-CN" altLang="en-US" dirty="0"/>
           </a:p>
         </p:txBody>
@@ -3839,6 +3781,14 @@
           <a:bodyPr/>
           <a:lstStyle/>
           <a:p>
+            <a:r>
+              <a:rPr lang="en-US" altLang="zh-CN" dirty="0"/>
+              <a:t>packed into </a:t>
+            </a:r>
+            <a:r>
+              <a:rPr lang="en-US" altLang="zh-CN" dirty="0" err="1"/>
+              <a:t>BatchedStatement</a:t>
+            </a:r>
             <a:endParaRPr lang="zh-CN" altLang="en-US" dirty="0"/>
           </a:p>
         </p:txBody>
@@ -3923,7 +3873,7 @@
           <a:bodyPr/>
           <a:lstStyle/>
           <a:p>
-            <a:endParaRPr lang="zh-CN" altLang="en-US"/>
+            <a:endParaRPr lang="zh-CN" altLang="en-US" dirty="0"/>
           </a:p>
         </p:txBody>
       </p:sp>
@@ -9737,31 +9687,35 @@
           </a:p>
         </p:txBody>
       </p:sp>
-      <p:sp>
-        <p:nvSpPr>
-          <p:cNvPr id="3" name="内容占位符 2">
+      <p:pic>
+        <p:nvPicPr>
+          <p:cNvPr id="5" name="内容占位符 4">
             <a:extLst>
               <a:ext uri="{FF2B5EF4-FFF2-40B4-BE49-F238E27FC236}">
-                <a16:creationId xmlns:a16="http://schemas.microsoft.com/office/drawing/2014/main" id="{E2C311E1-83C6-4F07-AA9A-262B10AA1E00}"/>
+                <a16:creationId xmlns:a16="http://schemas.microsoft.com/office/drawing/2014/main" id="{00507019-31E5-468E-B7D4-93A7D53291F3}"/>
               </a:ext>
             </a:extLst>
           </p:cNvPr>
-          <p:cNvSpPr>
-            <a:spLocks noGrp="1"/>
-          </p:cNvSpPr>
+          <p:cNvPicPr>
+            <a:picLocks noGrp="1" noChangeAspect="1"/>
+          </p:cNvPicPr>
           <p:nvPr>
             <p:ph idx="1"/>
           </p:nvPr>
-        </p:nvSpPr>
-        <p:spPr/>
-        <p:txBody>
-          <a:bodyPr/>
-          <a:lstStyle/>
-          <a:p>
-            <a:endParaRPr lang="zh-CN" altLang="en-US" dirty="0"/>
-          </a:p>
-        </p:txBody>
-      </p:sp>
+        </p:nvPicPr>
+        <p:blipFill>
+          <a:blip r:embed="rId2"/>
+          <a:stretch>
+            <a:fillRect/>
+          </a:stretch>
+        </p:blipFill>
+        <p:spPr>
+          <a:xfrm>
+            <a:off x="838200" y="1690688"/>
+            <a:ext cx="6140677" cy="4621335"/>
+          </a:xfrm>
+        </p:spPr>
+      </p:pic>
     </p:spTree>
     <p:extLst>
       <p:ext uri="{BB962C8B-B14F-4D97-AF65-F5344CB8AC3E}">
